--- a/The Canalchecker.pptx
+++ b/The Canalchecker.pptx
@@ -4,14 +4,20 @@
   <p:sldMasterIdLst>
     <p:sldMasterId id="2147483829" r:id="rId1"/>
   </p:sldMasterIdLst>
+  <p:notesMasterIdLst>
+    <p:notesMasterId r:id="rId12"/>
+  </p:notesMasterIdLst>
   <p:sldIdLst>
     <p:sldId id="256" r:id="rId2"/>
     <p:sldId id="257" r:id="rId3"/>
     <p:sldId id="260" r:id="rId4"/>
     <p:sldId id="261" r:id="rId5"/>
-    <p:sldId id="258" r:id="rId6"/>
-    <p:sldId id="259" r:id="rId7"/>
-    <p:sldId id="262" r:id="rId8"/>
+    <p:sldId id="265" r:id="rId6"/>
+    <p:sldId id="267" r:id="rId7"/>
+    <p:sldId id="259" r:id="rId8"/>
+    <p:sldId id="258" r:id="rId9"/>
+    <p:sldId id="263" r:id="rId10"/>
+    <p:sldId id="262" r:id="rId11"/>
   </p:sldIdLst>
   <p:sldSz cx="12192000" cy="6858000"/>
   <p:notesSz cx="6858000" cy="9144000"/>
@@ -116,6 +122,803 @@
     </p:ext>
   </p:extLst>
 </p:presentation>
+</file>
+
+<file path=ppt/notesMasters/notesMaster1.xml><?xml version="1.0" encoding="utf-8"?>
+<p:notesMaster xmlns:a="http://schemas.openxmlformats.org/drawingml/2006/main" xmlns:r="http://schemas.openxmlformats.org/officeDocument/2006/relationships" xmlns:p="http://schemas.openxmlformats.org/presentationml/2006/main">
+  <p:cSld>
+    <p:bg>
+      <p:bgRef idx="1001">
+        <a:schemeClr val="bg1"/>
+      </p:bgRef>
+    </p:bg>
+    <p:spTree>
+      <p:nvGrpSpPr>
+        <p:cNvPr id="1" name=""/>
+        <p:cNvGrpSpPr/>
+        <p:nvPr/>
+      </p:nvGrpSpPr>
+      <p:grpSpPr>
+        <a:xfrm>
+          <a:off x="0" y="0"/>
+          <a:ext cx="0" cy="0"/>
+          <a:chOff x="0" y="0"/>
+          <a:chExt cx="0" cy="0"/>
+        </a:xfrm>
+      </p:grpSpPr>
+      <p:sp>
+        <p:nvSpPr>
+          <p:cNvPr id="2" name="Kopfzeilenplatzhalter 1"/>
+          <p:cNvSpPr>
+            <a:spLocks noGrp="1"/>
+          </p:cNvSpPr>
+          <p:nvPr>
+            <p:ph type="hdr" sz="quarter"/>
+          </p:nvPr>
+        </p:nvSpPr>
+        <p:spPr>
+          <a:xfrm>
+            <a:off x="0" y="0"/>
+            <a:ext cx="2971800" cy="458788"/>
+          </a:xfrm>
+          <a:prstGeom prst="rect">
+            <a:avLst/>
+          </a:prstGeom>
+        </p:spPr>
+        <p:txBody>
+          <a:bodyPr vert="horz" lIns="91440" tIns="45720" rIns="91440" bIns="45720" rtlCol="0"/>
+          <a:lstStyle>
+            <a:lvl1pPr algn="l">
+              <a:defRPr sz="1200"/>
+            </a:lvl1pPr>
+          </a:lstStyle>
+          <a:p>
+            <a:endParaRPr lang="de-DE"/>
+          </a:p>
+        </p:txBody>
+      </p:sp>
+      <p:sp>
+        <p:nvSpPr>
+          <p:cNvPr id="3" name="Datumsplatzhalter 2"/>
+          <p:cNvSpPr>
+            <a:spLocks noGrp="1"/>
+          </p:cNvSpPr>
+          <p:nvPr>
+            <p:ph type="dt" idx="1"/>
+          </p:nvPr>
+        </p:nvSpPr>
+        <p:spPr>
+          <a:xfrm>
+            <a:off x="3884613" y="0"/>
+            <a:ext cx="2971800" cy="458788"/>
+          </a:xfrm>
+          <a:prstGeom prst="rect">
+            <a:avLst/>
+          </a:prstGeom>
+        </p:spPr>
+        <p:txBody>
+          <a:bodyPr vert="horz" lIns="91440" tIns="45720" rIns="91440" bIns="45720" rtlCol="0"/>
+          <a:lstStyle>
+            <a:lvl1pPr algn="r">
+              <a:defRPr sz="1200"/>
+            </a:lvl1pPr>
+          </a:lstStyle>
+          <a:p>
+            <a:fld id="{AB8969C2-6A2B-45A1-834B-EFBF25EB5BC2}" type="datetimeFigureOut">
+              <a:rPr lang="de-DE" smtClean="0"/>
+              <a:t>27.10.2025</a:t>
+            </a:fld>
+            <a:endParaRPr lang="de-DE"/>
+          </a:p>
+        </p:txBody>
+      </p:sp>
+      <p:sp>
+        <p:nvSpPr>
+          <p:cNvPr id="4" name="Folienbildplatzhalter 3"/>
+          <p:cNvSpPr>
+            <a:spLocks noGrp="1" noRot="1" noChangeAspect="1"/>
+          </p:cNvSpPr>
+          <p:nvPr>
+            <p:ph type="sldImg" idx="2"/>
+          </p:nvPr>
+        </p:nvSpPr>
+        <p:spPr>
+          <a:xfrm>
+            <a:off x="685800" y="1143000"/>
+            <a:ext cx="5486400" cy="3086100"/>
+          </a:xfrm>
+          <a:prstGeom prst="rect">
+            <a:avLst/>
+          </a:prstGeom>
+          <a:noFill/>
+          <a:ln w="12700">
+            <a:solidFill>
+              <a:prstClr val="black"/>
+            </a:solidFill>
+          </a:ln>
+        </p:spPr>
+        <p:txBody>
+          <a:bodyPr vert="horz" lIns="91440" tIns="45720" rIns="91440" bIns="45720" rtlCol="0" anchor="ctr"/>
+          <a:lstStyle/>
+          <a:p>
+            <a:endParaRPr lang="de-DE"/>
+          </a:p>
+        </p:txBody>
+      </p:sp>
+      <p:sp>
+        <p:nvSpPr>
+          <p:cNvPr id="5" name="Notizenplatzhalter 4"/>
+          <p:cNvSpPr>
+            <a:spLocks noGrp="1"/>
+          </p:cNvSpPr>
+          <p:nvPr>
+            <p:ph type="body" sz="quarter" idx="3"/>
+          </p:nvPr>
+        </p:nvSpPr>
+        <p:spPr>
+          <a:xfrm>
+            <a:off x="685800" y="4400550"/>
+            <a:ext cx="5486400" cy="3600450"/>
+          </a:xfrm>
+          <a:prstGeom prst="rect">
+            <a:avLst/>
+          </a:prstGeom>
+        </p:spPr>
+        <p:txBody>
+          <a:bodyPr vert="horz" lIns="91440" tIns="45720" rIns="91440" bIns="45720" rtlCol="0"/>
+          <a:lstStyle/>
+          <a:p>
+            <a:pPr lvl="0"/>
+            <a:r>
+              <a:rPr lang="de-DE"/>
+              <a:t>Mastertextformat bearbeiten</a:t>
+            </a:r>
+          </a:p>
+          <a:p>
+            <a:pPr lvl="1"/>
+            <a:r>
+              <a:rPr lang="de-DE"/>
+              <a:t>Zweite Ebene</a:t>
+            </a:r>
+          </a:p>
+          <a:p>
+            <a:pPr lvl="2"/>
+            <a:r>
+              <a:rPr lang="de-DE"/>
+              <a:t>Dritte Ebene</a:t>
+            </a:r>
+          </a:p>
+          <a:p>
+            <a:pPr lvl="3"/>
+            <a:r>
+              <a:rPr lang="de-DE"/>
+              <a:t>Vierte Ebene</a:t>
+            </a:r>
+          </a:p>
+          <a:p>
+            <a:pPr lvl="4"/>
+            <a:r>
+              <a:rPr lang="de-DE"/>
+              <a:t>Fünfte Ebene</a:t>
+            </a:r>
+          </a:p>
+        </p:txBody>
+      </p:sp>
+      <p:sp>
+        <p:nvSpPr>
+          <p:cNvPr id="6" name="Fußzeilenplatzhalter 5"/>
+          <p:cNvSpPr>
+            <a:spLocks noGrp="1"/>
+          </p:cNvSpPr>
+          <p:nvPr>
+            <p:ph type="ftr" sz="quarter" idx="4"/>
+          </p:nvPr>
+        </p:nvSpPr>
+        <p:spPr>
+          <a:xfrm>
+            <a:off x="0" y="8685213"/>
+            <a:ext cx="2971800" cy="458787"/>
+          </a:xfrm>
+          <a:prstGeom prst="rect">
+            <a:avLst/>
+          </a:prstGeom>
+        </p:spPr>
+        <p:txBody>
+          <a:bodyPr vert="horz" lIns="91440" tIns="45720" rIns="91440" bIns="45720" rtlCol="0" anchor="b"/>
+          <a:lstStyle>
+            <a:lvl1pPr algn="l">
+              <a:defRPr sz="1200"/>
+            </a:lvl1pPr>
+          </a:lstStyle>
+          <a:p>
+            <a:endParaRPr lang="de-DE"/>
+          </a:p>
+        </p:txBody>
+      </p:sp>
+      <p:sp>
+        <p:nvSpPr>
+          <p:cNvPr id="7" name="Foliennummernplatzhalter 6"/>
+          <p:cNvSpPr>
+            <a:spLocks noGrp="1"/>
+          </p:cNvSpPr>
+          <p:nvPr>
+            <p:ph type="sldNum" sz="quarter" idx="5"/>
+          </p:nvPr>
+        </p:nvSpPr>
+        <p:spPr>
+          <a:xfrm>
+            <a:off x="3884613" y="8685213"/>
+            <a:ext cx="2971800" cy="458787"/>
+          </a:xfrm>
+          <a:prstGeom prst="rect">
+            <a:avLst/>
+          </a:prstGeom>
+        </p:spPr>
+        <p:txBody>
+          <a:bodyPr vert="horz" lIns="91440" tIns="45720" rIns="91440" bIns="45720" rtlCol="0" anchor="b"/>
+          <a:lstStyle>
+            <a:lvl1pPr algn="r">
+              <a:defRPr sz="1200"/>
+            </a:lvl1pPr>
+          </a:lstStyle>
+          <a:p>
+            <a:fld id="{5B569192-1AE1-4F0B-8800-DE5374D7B6A9}" type="slidenum">
+              <a:rPr lang="de-DE" smtClean="0"/>
+              <a:t>‹Nr.›</a:t>
+            </a:fld>
+            <a:endParaRPr lang="de-DE"/>
+          </a:p>
+        </p:txBody>
+      </p:sp>
+    </p:spTree>
+    <p:extLst>
+      <p:ext uri="{BB962C8B-B14F-4D97-AF65-F5344CB8AC3E}">
+        <p14:creationId xmlns:p14="http://schemas.microsoft.com/office/powerpoint/2010/main" val="1455896777"/>
+      </p:ext>
+    </p:extLst>
+  </p:cSld>
+  <p:clrMap bg1="lt1" tx1="dk1" bg2="lt2" tx2="dk2" accent1="accent1" accent2="accent2" accent3="accent3" accent4="accent4" accent5="accent5" accent6="accent6" hlink="hlink" folHlink="folHlink"/>
+  <p:notesStyle>
+    <a:lvl1pPr marL="0" algn="l" defTabSz="914400" rtl="0" eaLnBrk="1" latinLnBrk="0" hangingPunct="1">
+      <a:defRPr sz="1200" kern="1200">
+        <a:solidFill>
+          <a:schemeClr val="tx1"/>
+        </a:solidFill>
+        <a:latin typeface="+mn-lt"/>
+        <a:ea typeface="+mn-ea"/>
+        <a:cs typeface="+mn-cs"/>
+      </a:defRPr>
+    </a:lvl1pPr>
+    <a:lvl2pPr marL="457200" algn="l" defTabSz="914400" rtl="0" eaLnBrk="1" latinLnBrk="0" hangingPunct="1">
+      <a:defRPr sz="1200" kern="1200">
+        <a:solidFill>
+          <a:schemeClr val="tx1"/>
+        </a:solidFill>
+        <a:latin typeface="+mn-lt"/>
+        <a:ea typeface="+mn-ea"/>
+        <a:cs typeface="+mn-cs"/>
+      </a:defRPr>
+    </a:lvl2pPr>
+    <a:lvl3pPr marL="914400" algn="l" defTabSz="914400" rtl="0" eaLnBrk="1" latinLnBrk="0" hangingPunct="1">
+      <a:defRPr sz="1200" kern="1200">
+        <a:solidFill>
+          <a:schemeClr val="tx1"/>
+        </a:solidFill>
+        <a:latin typeface="+mn-lt"/>
+        <a:ea typeface="+mn-ea"/>
+        <a:cs typeface="+mn-cs"/>
+      </a:defRPr>
+    </a:lvl3pPr>
+    <a:lvl4pPr marL="1371600" algn="l" defTabSz="914400" rtl="0" eaLnBrk="1" latinLnBrk="0" hangingPunct="1">
+      <a:defRPr sz="1200" kern="1200">
+        <a:solidFill>
+          <a:schemeClr val="tx1"/>
+        </a:solidFill>
+        <a:latin typeface="+mn-lt"/>
+        <a:ea typeface="+mn-ea"/>
+        <a:cs typeface="+mn-cs"/>
+      </a:defRPr>
+    </a:lvl4pPr>
+    <a:lvl5pPr marL="1828800" algn="l" defTabSz="914400" rtl="0" eaLnBrk="1" latinLnBrk="0" hangingPunct="1">
+      <a:defRPr sz="1200" kern="1200">
+        <a:solidFill>
+          <a:schemeClr val="tx1"/>
+        </a:solidFill>
+        <a:latin typeface="+mn-lt"/>
+        <a:ea typeface="+mn-ea"/>
+        <a:cs typeface="+mn-cs"/>
+      </a:defRPr>
+    </a:lvl5pPr>
+    <a:lvl6pPr marL="2286000" algn="l" defTabSz="914400" rtl="0" eaLnBrk="1" latinLnBrk="0" hangingPunct="1">
+      <a:defRPr sz="1200" kern="1200">
+        <a:solidFill>
+          <a:schemeClr val="tx1"/>
+        </a:solidFill>
+        <a:latin typeface="+mn-lt"/>
+        <a:ea typeface="+mn-ea"/>
+        <a:cs typeface="+mn-cs"/>
+      </a:defRPr>
+    </a:lvl6pPr>
+    <a:lvl7pPr marL="2743200" algn="l" defTabSz="914400" rtl="0" eaLnBrk="1" latinLnBrk="0" hangingPunct="1">
+      <a:defRPr sz="1200" kern="1200">
+        <a:solidFill>
+          <a:schemeClr val="tx1"/>
+        </a:solidFill>
+        <a:latin typeface="+mn-lt"/>
+        <a:ea typeface="+mn-ea"/>
+        <a:cs typeface="+mn-cs"/>
+      </a:defRPr>
+    </a:lvl7pPr>
+    <a:lvl8pPr marL="3200400" algn="l" defTabSz="914400" rtl="0" eaLnBrk="1" latinLnBrk="0" hangingPunct="1">
+      <a:defRPr sz="1200" kern="1200">
+        <a:solidFill>
+          <a:schemeClr val="tx1"/>
+        </a:solidFill>
+        <a:latin typeface="+mn-lt"/>
+        <a:ea typeface="+mn-ea"/>
+        <a:cs typeface="+mn-cs"/>
+      </a:defRPr>
+    </a:lvl8pPr>
+    <a:lvl9pPr marL="3657600" algn="l" defTabSz="914400" rtl="0" eaLnBrk="1" latinLnBrk="0" hangingPunct="1">
+      <a:defRPr sz="1200" kern="1200">
+        <a:solidFill>
+          <a:schemeClr val="tx1"/>
+        </a:solidFill>
+        <a:latin typeface="+mn-lt"/>
+        <a:ea typeface="+mn-ea"/>
+        <a:cs typeface="+mn-cs"/>
+      </a:defRPr>
+    </a:lvl9pPr>
+  </p:notesStyle>
+</p:notesMaster>
+</file>
+
+<file path=ppt/notesSlides/notesSlide1.xml><?xml version="1.0" encoding="utf-8"?>
+<p:notes xmlns:a="http://schemas.openxmlformats.org/drawingml/2006/main" xmlns:r="http://schemas.openxmlformats.org/officeDocument/2006/relationships" xmlns:p="http://schemas.openxmlformats.org/presentationml/2006/main">
+  <p:cSld>
+    <p:spTree>
+      <p:nvGrpSpPr>
+        <p:cNvPr id="1" name=""/>
+        <p:cNvGrpSpPr/>
+        <p:nvPr/>
+      </p:nvGrpSpPr>
+      <p:grpSpPr>
+        <a:xfrm>
+          <a:off x="0" y="0"/>
+          <a:ext cx="0" cy="0"/>
+          <a:chOff x="0" y="0"/>
+          <a:chExt cx="0" cy="0"/>
+        </a:xfrm>
+      </p:grpSpPr>
+      <p:sp>
+        <p:nvSpPr>
+          <p:cNvPr id="2" name="Folienbildplatzhalter 1"/>
+          <p:cNvSpPr>
+            <a:spLocks noGrp="1" noRot="1" noChangeAspect="1"/>
+          </p:cNvSpPr>
+          <p:nvPr>
+            <p:ph type="sldImg"/>
+          </p:nvPr>
+        </p:nvSpPr>
+        <p:spPr/>
+      </p:sp>
+      <p:sp>
+        <p:nvSpPr>
+          <p:cNvPr id="3" name="Notizenplatzhalter 2"/>
+          <p:cNvSpPr>
+            <a:spLocks noGrp="1"/>
+          </p:cNvSpPr>
+          <p:nvPr>
+            <p:ph type="body" idx="1"/>
+          </p:nvPr>
+        </p:nvSpPr>
+        <p:spPr/>
+        <p:txBody>
+          <a:bodyPr/>
+          <a:lstStyle/>
+          <a:p>
+            <a:r>
+              <a:rPr lang="de-DE" dirty="0"/>
+              <a:t>Aufgabenverteilung siehe </a:t>
+            </a:r>
+            <a:r>
+              <a:rPr lang="de-DE" dirty="0" err="1"/>
+              <a:t>Git</a:t>
+            </a:r>
+            <a:r>
+              <a:rPr lang="de-DE" dirty="0"/>
+              <a:t>-hub</a:t>
+            </a:r>
+          </a:p>
+        </p:txBody>
+      </p:sp>
+      <p:sp>
+        <p:nvSpPr>
+          <p:cNvPr id="4" name="Foliennummernplatzhalter 3"/>
+          <p:cNvSpPr>
+            <a:spLocks noGrp="1"/>
+          </p:cNvSpPr>
+          <p:nvPr>
+            <p:ph type="sldNum" sz="quarter" idx="5"/>
+          </p:nvPr>
+        </p:nvSpPr>
+        <p:spPr/>
+        <p:txBody>
+          <a:bodyPr/>
+          <a:lstStyle/>
+          <a:p>
+            <a:fld id="{5B569192-1AE1-4F0B-8800-DE5374D7B6A9}" type="slidenum">
+              <a:rPr lang="de-DE" smtClean="0"/>
+              <a:t>3</a:t>
+            </a:fld>
+            <a:endParaRPr lang="de-DE"/>
+          </a:p>
+        </p:txBody>
+      </p:sp>
+    </p:spTree>
+    <p:extLst>
+      <p:ext uri="{BB962C8B-B14F-4D97-AF65-F5344CB8AC3E}">
+        <p14:creationId xmlns:p14="http://schemas.microsoft.com/office/powerpoint/2010/main" val="1760839844"/>
+      </p:ext>
+    </p:extLst>
+  </p:cSld>
+  <p:clrMapOvr>
+    <a:masterClrMapping/>
+  </p:clrMapOvr>
+</p:notes>
+</file>
+
+<file path=ppt/notesSlides/notesSlide2.xml><?xml version="1.0" encoding="utf-8"?>
+<p:notes xmlns:a="http://schemas.openxmlformats.org/drawingml/2006/main" xmlns:r="http://schemas.openxmlformats.org/officeDocument/2006/relationships" xmlns:p="http://schemas.openxmlformats.org/presentationml/2006/main">
+  <p:cSld>
+    <p:spTree>
+      <p:nvGrpSpPr>
+        <p:cNvPr id="1" name=""/>
+        <p:cNvGrpSpPr/>
+        <p:nvPr/>
+      </p:nvGrpSpPr>
+      <p:grpSpPr>
+        <a:xfrm>
+          <a:off x="0" y="0"/>
+          <a:ext cx="0" cy="0"/>
+          <a:chOff x="0" y="0"/>
+          <a:chExt cx="0" cy="0"/>
+        </a:xfrm>
+      </p:grpSpPr>
+      <p:sp>
+        <p:nvSpPr>
+          <p:cNvPr id="2" name="Folienbildplatzhalter 1"/>
+          <p:cNvSpPr>
+            <a:spLocks noGrp="1" noRot="1" noChangeAspect="1"/>
+          </p:cNvSpPr>
+          <p:nvPr>
+            <p:ph type="sldImg"/>
+          </p:nvPr>
+        </p:nvSpPr>
+        <p:spPr/>
+      </p:sp>
+      <p:sp>
+        <p:nvSpPr>
+          <p:cNvPr id="3" name="Notizenplatzhalter 2"/>
+          <p:cNvSpPr>
+            <a:spLocks noGrp="1"/>
+          </p:cNvSpPr>
+          <p:nvPr>
+            <p:ph type="body" idx="1"/>
+          </p:nvPr>
+        </p:nvSpPr>
+        <p:spPr/>
+        <p:txBody>
+          <a:bodyPr/>
+          <a:lstStyle/>
+          <a:p>
+            <a:endParaRPr lang="de-DE" dirty="0"/>
+          </a:p>
+        </p:txBody>
+      </p:sp>
+      <p:sp>
+        <p:nvSpPr>
+          <p:cNvPr id="4" name="Foliennummernplatzhalter 3"/>
+          <p:cNvSpPr>
+            <a:spLocks noGrp="1"/>
+          </p:cNvSpPr>
+          <p:nvPr>
+            <p:ph type="sldNum" sz="quarter" idx="5"/>
+          </p:nvPr>
+        </p:nvSpPr>
+        <p:spPr/>
+        <p:txBody>
+          <a:bodyPr/>
+          <a:lstStyle/>
+          <a:p>
+            <a:fld id="{5B569192-1AE1-4F0B-8800-DE5374D7B6A9}" type="slidenum">
+              <a:rPr lang="de-DE" smtClean="0"/>
+              <a:t>4</a:t>
+            </a:fld>
+            <a:endParaRPr lang="de-DE"/>
+          </a:p>
+        </p:txBody>
+      </p:sp>
+    </p:spTree>
+    <p:extLst>
+      <p:ext uri="{BB962C8B-B14F-4D97-AF65-F5344CB8AC3E}">
+        <p14:creationId xmlns:p14="http://schemas.microsoft.com/office/powerpoint/2010/main" val="1868956118"/>
+      </p:ext>
+    </p:extLst>
+  </p:cSld>
+  <p:clrMapOvr>
+    <a:masterClrMapping/>
+  </p:clrMapOvr>
+</p:notes>
+</file>
+
+<file path=ppt/notesSlides/notesSlide3.xml><?xml version="1.0" encoding="utf-8"?>
+<p:notes xmlns:a="http://schemas.openxmlformats.org/drawingml/2006/main" xmlns:r="http://schemas.openxmlformats.org/officeDocument/2006/relationships" xmlns:p="http://schemas.openxmlformats.org/presentationml/2006/main">
+  <p:cSld>
+    <p:spTree>
+      <p:nvGrpSpPr>
+        <p:cNvPr id="1" name=""/>
+        <p:cNvGrpSpPr/>
+        <p:nvPr/>
+      </p:nvGrpSpPr>
+      <p:grpSpPr>
+        <a:xfrm>
+          <a:off x="0" y="0"/>
+          <a:ext cx="0" cy="0"/>
+          <a:chOff x="0" y="0"/>
+          <a:chExt cx="0" cy="0"/>
+        </a:xfrm>
+      </p:grpSpPr>
+      <p:sp>
+        <p:nvSpPr>
+          <p:cNvPr id="2" name="Folienbildplatzhalter 1"/>
+          <p:cNvSpPr>
+            <a:spLocks noGrp="1" noRot="1" noChangeAspect="1"/>
+          </p:cNvSpPr>
+          <p:nvPr>
+            <p:ph type="sldImg"/>
+          </p:nvPr>
+        </p:nvSpPr>
+        <p:spPr/>
+      </p:sp>
+      <p:sp>
+        <p:nvSpPr>
+          <p:cNvPr id="3" name="Notizenplatzhalter 2"/>
+          <p:cNvSpPr>
+            <a:spLocks noGrp="1"/>
+          </p:cNvSpPr>
+          <p:nvPr>
+            <p:ph type="body" idx="1"/>
+          </p:nvPr>
+        </p:nvSpPr>
+        <p:spPr/>
+        <p:txBody>
+          <a:bodyPr/>
+          <a:lstStyle/>
+          <a:p>
+            <a:r>
+              <a:rPr lang="de-DE" dirty="0"/>
+              <a:t>Alle Bauteile aus </a:t>
+            </a:r>
+            <a:r>
+              <a:rPr lang="de-DE" dirty="0" err="1"/>
+              <a:t>Aluminum</a:t>
+            </a:r>
+            <a:endParaRPr lang="de-DE" dirty="0"/>
+          </a:p>
+          <a:p>
+            <a:r>
+              <a:rPr lang="de-DE" dirty="0"/>
+              <a:t>Traktion und Standhaft Kletterfähigkeit </a:t>
+            </a:r>
+          </a:p>
+          <a:p>
+            <a:endParaRPr lang="de-DE" dirty="0"/>
+          </a:p>
+        </p:txBody>
+      </p:sp>
+      <p:sp>
+        <p:nvSpPr>
+          <p:cNvPr id="4" name="Foliennummernplatzhalter 3"/>
+          <p:cNvSpPr>
+            <a:spLocks noGrp="1"/>
+          </p:cNvSpPr>
+          <p:nvPr>
+            <p:ph type="sldNum" sz="quarter" idx="5"/>
+          </p:nvPr>
+        </p:nvSpPr>
+        <p:spPr/>
+        <p:txBody>
+          <a:bodyPr/>
+          <a:lstStyle/>
+          <a:p>
+            <a:fld id="{5B569192-1AE1-4F0B-8800-DE5374D7B6A9}" type="slidenum">
+              <a:rPr lang="de-DE" smtClean="0"/>
+              <a:t>5</a:t>
+            </a:fld>
+            <a:endParaRPr lang="de-DE"/>
+          </a:p>
+        </p:txBody>
+      </p:sp>
+    </p:spTree>
+    <p:extLst>
+      <p:ext uri="{BB962C8B-B14F-4D97-AF65-F5344CB8AC3E}">
+        <p14:creationId xmlns:p14="http://schemas.microsoft.com/office/powerpoint/2010/main" val="3600272325"/>
+      </p:ext>
+    </p:extLst>
+  </p:cSld>
+  <p:clrMapOvr>
+    <a:masterClrMapping/>
+  </p:clrMapOvr>
+</p:notes>
+</file>
+
+<file path=ppt/notesSlides/notesSlide4.xml><?xml version="1.0" encoding="utf-8"?>
+<p:notes xmlns:a="http://schemas.openxmlformats.org/drawingml/2006/main" xmlns:r="http://schemas.openxmlformats.org/officeDocument/2006/relationships" xmlns:p="http://schemas.openxmlformats.org/presentationml/2006/main">
+  <p:cSld>
+    <p:spTree>
+      <p:nvGrpSpPr>
+        <p:cNvPr id="1" name=""/>
+        <p:cNvGrpSpPr/>
+        <p:nvPr/>
+      </p:nvGrpSpPr>
+      <p:grpSpPr>
+        <a:xfrm>
+          <a:off x="0" y="0"/>
+          <a:ext cx="0" cy="0"/>
+          <a:chOff x="0" y="0"/>
+          <a:chExt cx="0" cy="0"/>
+        </a:xfrm>
+      </p:grpSpPr>
+      <p:sp>
+        <p:nvSpPr>
+          <p:cNvPr id="2" name="Folienbildplatzhalter 1"/>
+          <p:cNvSpPr>
+            <a:spLocks noGrp="1" noRot="1" noChangeAspect="1"/>
+          </p:cNvSpPr>
+          <p:nvPr>
+            <p:ph type="sldImg"/>
+          </p:nvPr>
+        </p:nvSpPr>
+        <p:spPr/>
+      </p:sp>
+      <p:sp>
+        <p:nvSpPr>
+          <p:cNvPr id="3" name="Notizenplatzhalter 2"/>
+          <p:cNvSpPr>
+            <a:spLocks noGrp="1"/>
+          </p:cNvSpPr>
+          <p:nvPr>
+            <p:ph type="body" idx="1"/>
+          </p:nvPr>
+        </p:nvSpPr>
+        <p:spPr/>
+        <p:txBody>
+          <a:bodyPr/>
+          <a:lstStyle/>
+          <a:p>
+            <a:endParaRPr lang="de-DE" dirty="0"/>
+          </a:p>
+        </p:txBody>
+      </p:sp>
+      <p:sp>
+        <p:nvSpPr>
+          <p:cNvPr id="4" name="Foliennummernplatzhalter 3"/>
+          <p:cNvSpPr>
+            <a:spLocks noGrp="1"/>
+          </p:cNvSpPr>
+          <p:nvPr>
+            <p:ph type="sldNum" sz="quarter" idx="5"/>
+          </p:nvPr>
+        </p:nvSpPr>
+        <p:spPr/>
+        <p:txBody>
+          <a:bodyPr/>
+          <a:lstStyle/>
+          <a:p>
+            <a:fld id="{5B569192-1AE1-4F0B-8800-DE5374D7B6A9}" type="slidenum">
+              <a:rPr lang="de-DE" smtClean="0"/>
+              <a:t>6</a:t>
+            </a:fld>
+            <a:endParaRPr lang="de-DE"/>
+          </a:p>
+        </p:txBody>
+      </p:sp>
+    </p:spTree>
+    <p:extLst>
+      <p:ext uri="{BB962C8B-B14F-4D97-AF65-F5344CB8AC3E}">
+        <p14:creationId xmlns:p14="http://schemas.microsoft.com/office/powerpoint/2010/main" val="422260609"/>
+      </p:ext>
+    </p:extLst>
+  </p:cSld>
+  <p:clrMapOvr>
+    <a:masterClrMapping/>
+  </p:clrMapOvr>
+</p:notes>
+</file>
+
+<file path=ppt/notesSlides/notesSlide5.xml><?xml version="1.0" encoding="utf-8"?>
+<p:notes xmlns:a="http://schemas.openxmlformats.org/drawingml/2006/main" xmlns:r="http://schemas.openxmlformats.org/officeDocument/2006/relationships" xmlns:p="http://schemas.openxmlformats.org/presentationml/2006/main">
+  <p:cSld>
+    <p:spTree>
+      <p:nvGrpSpPr>
+        <p:cNvPr id="1" name=""/>
+        <p:cNvGrpSpPr/>
+        <p:nvPr/>
+      </p:nvGrpSpPr>
+      <p:grpSpPr>
+        <a:xfrm>
+          <a:off x="0" y="0"/>
+          <a:ext cx="0" cy="0"/>
+          <a:chOff x="0" y="0"/>
+          <a:chExt cx="0" cy="0"/>
+        </a:xfrm>
+      </p:grpSpPr>
+      <p:sp>
+        <p:nvSpPr>
+          <p:cNvPr id="2" name="Folienbildplatzhalter 1"/>
+          <p:cNvSpPr>
+            <a:spLocks noGrp="1" noRot="1" noChangeAspect="1"/>
+          </p:cNvSpPr>
+          <p:nvPr>
+            <p:ph type="sldImg"/>
+          </p:nvPr>
+        </p:nvSpPr>
+        <p:spPr/>
+      </p:sp>
+      <p:sp>
+        <p:nvSpPr>
+          <p:cNvPr id="3" name="Notizenplatzhalter 2"/>
+          <p:cNvSpPr>
+            <a:spLocks noGrp="1"/>
+          </p:cNvSpPr>
+          <p:nvPr>
+            <p:ph type="body" idx="1"/>
+          </p:nvPr>
+        </p:nvSpPr>
+        <p:spPr/>
+        <p:txBody>
+          <a:bodyPr/>
+          <a:lstStyle/>
+          <a:p>
+            <a:endParaRPr lang="de-DE" dirty="0"/>
+          </a:p>
+        </p:txBody>
+      </p:sp>
+      <p:sp>
+        <p:nvSpPr>
+          <p:cNvPr id="4" name="Foliennummernplatzhalter 3"/>
+          <p:cNvSpPr>
+            <a:spLocks noGrp="1"/>
+          </p:cNvSpPr>
+          <p:nvPr>
+            <p:ph type="sldNum" sz="quarter" idx="5"/>
+          </p:nvPr>
+        </p:nvSpPr>
+        <p:spPr/>
+        <p:txBody>
+          <a:bodyPr/>
+          <a:lstStyle/>
+          <a:p>
+            <a:fld id="{5B569192-1AE1-4F0B-8800-DE5374D7B6A9}" type="slidenum">
+              <a:rPr lang="de-DE" smtClean="0"/>
+              <a:t>8</a:t>
+            </a:fld>
+            <a:endParaRPr lang="de-DE"/>
+          </a:p>
+        </p:txBody>
+      </p:sp>
+    </p:spTree>
+    <p:extLst>
+      <p:ext uri="{BB962C8B-B14F-4D97-AF65-F5344CB8AC3E}">
+        <p14:creationId xmlns:p14="http://schemas.microsoft.com/office/powerpoint/2010/main" val="2423881659"/>
+      </p:ext>
+    </p:extLst>
+  </p:cSld>
+  <p:clrMapOvr>
+    <a:masterClrMapping/>
+  </p:clrMapOvr>
+</p:notes>
 </file>
 
 <file path=ppt/slideLayouts/slideLayout1.xml><?xml version="1.0" encoding="utf-8"?>
@@ -12525,12 +13328,42 @@
           </a:p>
         </p:txBody>
       </p:sp>
+    </p:spTree>
+    <p:extLst>
+      <p:ext uri="{BB962C8B-B14F-4D97-AF65-F5344CB8AC3E}">
+        <p14:creationId xmlns:p14="http://schemas.microsoft.com/office/powerpoint/2010/main" val="2620225143"/>
+      </p:ext>
+    </p:extLst>
+  </p:cSld>
+  <p:clrMapOvr>
+    <a:masterClrMapping/>
+  </p:clrMapOvr>
+</p:sld>
+</file>
+
+<file path=ppt/slides/slide10.xml><?xml version="1.0" encoding="utf-8"?>
+<p:sld xmlns:a="http://schemas.openxmlformats.org/drawingml/2006/main" xmlns:r="http://schemas.openxmlformats.org/officeDocument/2006/relationships" xmlns:p="http://schemas.openxmlformats.org/presentationml/2006/main">
+  <p:cSld>
+    <p:spTree>
+      <p:nvGrpSpPr>
+        <p:cNvPr id="1" name=""/>
+        <p:cNvGrpSpPr/>
+        <p:nvPr/>
+      </p:nvGrpSpPr>
+      <p:grpSpPr>
+        <a:xfrm>
+          <a:off x="0" y="0"/>
+          <a:ext cx="0" cy="0"/>
+          <a:chOff x="0" y="0"/>
+          <a:chExt cx="0" cy="0"/>
+        </a:xfrm>
+      </p:grpSpPr>
       <p:sp>
         <p:nvSpPr>
-          <p:cNvPr id="3" name="Untertitel 2">
+          <p:cNvPr id="2" name="Titel 1">
             <a:extLst>
               <a:ext uri="{FF2B5EF4-FFF2-40B4-BE49-F238E27FC236}">
-                <a16:creationId xmlns:a16="http://schemas.microsoft.com/office/drawing/2014/main" id="{036D7B9C-FB60-6D3B-B30C-CD04069A647F}"/>
+                <a16:creationId xmlns:a16="http://schemas.microsoft.com/office/drawing/2014/main" id="{DD036A26-C947-AFE0-DD6C-99C636DEFD68}"/>
               </a:ext>
             </a:extLst>
           </p:cNvPr>
@@ -12538,7 +13371,7 @@
             <a:spLocks noGrp="1"/>
           </p:cNvSpPr>
           <p:nvPr>
-            <p:ph type="subTitle" idx="1"/>
+            <p:ph type="title"/>
           </p:nvPr>
         </p:nvSpPr>
         <p:spPr/>
@@ -12546,14 +13379,46 @@
           <a:bodyPr/>
           <a:lstStyle/>
           <a:p>
+            <a:r>
+              <a:rPr lang="de-DE" dirty="0" err="1"/>
+              <a:t>BildQuellen</a:t>
+            </a:r>
             <a:endParaRPr lang="de-DE" dirty="0"/>
+          </a:p>
+        </p:txBody>
+      </p:sp>
+      <p:sp>
+        <p:nvSpPr>
+          <p:cNvPr id="3" name="Inhaltsplatzhalter 2">
+            <a:extLst>
+              <a:ext uri="{FF2B5EF4-FFF2-40B4-BE49-F238E27FC236}">
+                <a16:creationId xmlns:a16="http://schemas.microsoft.com/office/drawing/2014/main" id="{11DC44DC-CE18-BD80-A1B1-A5F25AB75E95}"/>
+              </a:ext>
+            </a:extLst>
+          </p:cNvPr>
+          <p:cNvSpPr>
+            <a:spLocks noGrp="1"/>
+          </p:cNvSpPr>
+          <p:nvPr>
+            <p:ph idx="1"/>
+          </p:nvPr>
+        </p:nvSpPr>
+        <p:spPr/>
+        <p:txBody>
+          <a:bodyPr/>
+          <a:lstStyle/>
+          <a:p>
+            <a:r>
+              <a:rPr lang="de-DE" dirty="0"/>
+              <a:t>https://mechatronikausbildung.wordpress.com/2017/03/28/ipek-turns-blue/</a:t>
+            </a:r>
           </a:p>
         </p:txBody>
       </p:sp>
     </p:spTree>
     <p:extLst>
       <p:ext uri="{BB962C8B-B14F-4D97-AF65-F5344CB8AC3E}">
-        <p14:creationId xmlns:p14="http://schemas.microsoft.com/office/powerpoint/2010/main" val="2620225143"/>
+        <p14:creationId xmlns:p14="http://schemas.microsoft.com/office/powerpoint/2010/main" val="1426197800"/>
       </p:ext>
     </p:extLst>
   </p:cSld>
@@ -12697,14 +13562,21 @@
             <p:ph type="title"/>
           </p:nvPr>
         </p:nvSpPr>
-        <p:spPr/>
+        <p:spPr>
+          <a:xfrm>
+            <a:off x="1141413" y="618518"/>
+            <a:ext cx="9905998" cy="889771"/>
+          </a:xfrm>
+        </p:spPr>
         <p:txBody>
-          <a:bodyPr/>
+          <a:bodyPr>
+            <a:normAutofit/>
+          </a:bodyPr>
           <a:lstStyle/>
           <a:p>
             <a:r>
               <a:rPr lang="de-DE" dirty="0"/>
-              <a:t>Wer sind wir </a:t>
+              <a:t>Das Entwickler Duo </a:t>
             </a:r>
           </a:p>
         </p:txBody>
@@ -12725,11 +13597,21 @@
             <p:ph sz="half" idx="1"/>
           </p:nvPr>
         </p:nvSpPr>
-        <p:spPr/>
+        <p:spPr>
+          <a:xfrm>
+            <a:off x="1141410" y="2249486"/>
+            <a:ext cx="4878389" cy="2030283"/>
+          </a:xfrm>
+        </p:spPr>
         <p:txBody>
-          <a:bodyPr/>
+          <a:bodyPr>
+            <a:normAutofit lnSpcReduction="10000"/>
+          </a:bodyPr>
           <a:lstStyle/>
           <a:p>
+            <a:pPr marL="0" indent="0">
+              <a:buNone/>
+            </a:pPr>
             <a:r>
               <a:rPr lang="de-DE" dirty="0"/>
               <a:t>Marcel </a:t>
@@ -12741,15 +13623,30 @@
             <a:endParaRPr lang="de-DE" dirty="0"/>
           </a:p>
           <a:p>
-            <a:pPr marL="0" indent="0">
-              <a:buNone/>
-            </a:pPr>
             <a:r>
               <a:rPr lang="de-DE" dirty="0"/>
               <a:t>4. Semester E-Technik Studium</a:t>
             </a:r>
           </a:p>
           <a:p>
+            <a:r>
+              <a:rPr lang="de-DE" dirty="0" err="1"/>
+              <a:t>Platinenentwicklung</a:t>
+            </a:r>
+            <a:r>
+              <a:rPr lang="de-DE" dirty="0"/>
+              <a:t> bei </a:t>
+            </a:r>
+            <a:r>
+              <a:rPr lang="de-DE" dirty="0" err="1"/>
+              <a:t>Infinty</a:t>
+            </a:r>
+            <a:r>
+              <a:rPr lang="de-DE" dirty="0"/>
+              <a:t> Racing</a:t>
+            </a:r>
+          </a:p>
+          <a:p>
             <a:pPr marL="0" indent="0">
               <a:buNone/>
             </a:pPr>
@@ -12762,6 +13659,9 @@
             <a:endParaRPr lang="de-DE" dirty="0"/>
           </a:p>
           <a:p>
+            <a:pPr marL="0" indent="0">
+              <a:buNone/>
+            </a:pPr>
             <a:endParaRPr lang="de-DE" dirty="0"/>
           </a:p>
         </p:txBody>
@@ -12782,38 +13682,39 @@
             <p:ph sz="half" idx="2"/>
           </p:nvPr>
         </p:nvSpPr>
-        <p:spPr/>
+        <p:spPr>
+          <a:xfrm>
+            <a:off x="6172200" y="2249486"/>
+            <a:ext cx="5611305" cy="2548757"/>
+          </a:xfrm>
+        </p:spPr>
         <p:txBody>
-          <a:bodyPr/>
+          <a:bodyPr>
+            <a:normAutofit lnSpcReduction="10000"/>
+          </a:bodyPr>
           <a:lstStyle/>
           <a:p>
+            <a:pPr marL="0" indent="0">
+              <a:buNone/>
+            </a:pPr>
             <a:r>
               <a:rPr lang="de-DE" dirty="0"/>
               <a:t>Yannick Bachhuber </a:t>
             </a:r>
           </a:p>
           <a:p>
-            <a:pPr marL="0" indent="0">
-              <a:buNone/>
-            </a:pPr>
             <a:r>
               <a:rPr lang="de-DE" dirty="0"/>
               <a:t>Ausbildung Elektroniker für Betriebstechnik</a:t>
             </a:r>
           </a:p>
           <a:p>
-            <a:pPr marL="0" indent="0">
-              <a:buNone/>
-            </a:pPr>
             <a:r>
               <a:rPr lang="de-DE" dirty="0"/>
-              <a:t>Staatlich geprüfter Techniker E-technik</a:t>
-            </a:r>
-          </a:p>
-          <a:p>
-            <a:pPr marL="0" indent="0">
-              <a:buNone/>
-            </a:pPr>
+              <a:t>Staatlich geprüfter Techniker E-Technik</a:t>
+            </a:r>
+          </a:p>
+          <a:p>
             <a:r>
               <a:rPr lang="de-DE" dirty="0"/>
               <a:t>3. Semester </a:t>
@@ -12879,7 +13780,7 @@
           <a:p>
             <a:r>
               <a:rPr lang="de-DE" dirty="0"/>
-              <a:t>Innovationen</a:t>
+              <a:t>Ziele/ Innovationen</a:t>
             </a:r>
           </a:p>
         </p:txBody>
@@ -12907,7 +13808,7 @@
           <a:p>
             <a:r>
               <a:rPr lang="de-DE" dirty="0"/>
-              <a:t>Autonome Kanalinspektion </a:t>
+              <a:t>Ziel ist eine autonome Kanalinspektion </a:t>
             </a:r>
           </a:p>
           <a:p>
@@ -12921,6 +13822,15 @@
               <a:rPr lang="de-DE" dirty="0"/>
               <a:t>Genau Lokalisation der Probleme im Kanal über Standort des Roboters</a:t>
             </a:r>
+          </a:p>
+          <a:p>
+            <a:r>
+              <a:rPr lang="de-DE" dirty="0"/>
+              <a:t>Schnelle Entdeckung von Problemen </a:t>
+            </a:r>
+          </a:p>
+          <a:p>
+            <a:endParaRPr lang="de-DE" dirty="0"/>
           </a:p>
         </p:txBody>
       </p:sp>
@@ -12959,7 +13869,7 @@
           <p:cNvPr id="2" name="Titel 1">
             <a:extLst>
               <a:ext uri="{FF2B5EF4-FFF2-40B4-BE49-F238E27FC236}">
-                <a16:creationId xmlns:a16="http://schemas.microsoft.com/office/drawing/2014/main" id="{EE3B403A-B76C-64CF-482F-860ECB1016AF}"/>
+                <a16:creationId xmlns:a16="http://schemas.microsoft.com/office/drawing/2014/main" id="{5CF60906-019F-6B23-5B06-239FCB0BB866}"/>
               </a:ext>
             </a:extLst>
           </p:cNvPr>
@@ -12977,17 +13887,40 @@
           <a:p>
             <a:r>
               <a:rPr lang="de-DE" dirty="0"/>
-              <a:t>Projektplan</a:t>
-            </a:r>
+              <a:t>IPEK </a:t>
+            </a:r>
+            <a:r>
+              <a:rPr lang="de-DE" dirty="0" err="1"/>
+              <a:t>Rovion</a:t>
+            </a:r>
+            <a:r>
+              <a:rPr lang="de-DE" dirty="0"/>
+              <a:t> 130 /</a:t>
+            </a:r>
+            <a:br>
+              <a:rPr lang="de-DE" dirty="0"/>
+            </a:br>
+            <a:r>
+              <a:rPr lang="de-DE" dirty="0" err="1"/>
+              <a:t>HARdware</a:t>
+            </a:r>
+            <a:r>
+              <a:rPr lang="de-DE" dirty="0"/>
+              <a:t> </a:t>
+            </a:r>
+            <a:br>
+              <a:rPr lang="de-DE" dirty="0"/>
+            </a:br>
+            <a:endParaRPr lang="de-DE" dirty="0"/>
           </a:p>
         </p:txBody>
       </p:sp>
       <p:sp>
         <p:nvSpPr>
-          <p:cNvPr id="3" name="Inhaltsplatzhalter 2">
+          <p:cNvPr id="4" name="Textplatzhalter 3">
             <a:extLst>
               <a:ext uri="{FF2B5EF4-FFF2-40B4-BE49-F238E27FC236}">
-                <a16:creationId xmlns:a16="http://schemas.microsoft.com/office/drawing/2014/main" id="{D99D5D49-651B-7D64-D7E9-8D8B37EC8F2F}"/>
+                <a16:creationId xmlns:a16="http://schemas.microsoft.com/office/drawing/2014/main" id="{04063B13-614F-421A-93C3-B4300366902A}"/>
               </a:ext>
             </a:extLst>
           </p:cNvPr>
@@ -12995,34 +13928,127 @@
             <a:spLocks noGrp="1"/>
           </p:cNvSpPr>
           <p:nvPr>
-            <p:ph idx="1"/>
+            <p:ph type="body" sz="half" idx="2"/>
           </p:nvPr>
         </p:nvSpPr>
         <p:spPr/>
         <p:txBody>
-          <a:bodyPr/>
+          <a:bodyPr>
+            <a:normAutofit/>
+          </a:bodyPr>
           <a:lstStyle/>
           <a:p>
-            <a:r>
-              <a:rPr lang="de-DE" dirty="0">
-                <a:hlinkClick r:id="rId2"/>
-              </a:rPr>
-              <a:t>https://github.com/users/yaba-source/projects/1/views/4</a:t>
-            </a:r>
-            <a:endParaRPr lang="de-DE" dirty="0"/>
-          </a:p>
-          <a:p>
-            <a:r>
-              <a:rPr lang="de-DE" dirty="0"/>
-              <a:t>Bild mit Roadmap mit Hyperlink integriert</a:t>
-            </a:r>
+            <a:pPr marL="342900" indent="-342900">
+              <a:buFont typeface="Arial" panose="020B0604020202020204" pitchFamily="34" charset="0"/>
+              <a:buChar char="•"/>
+            </a:pPr>
+            <a:r>
+              <a:rPr lang="de-DE" sz="2400" dirty="0"/>
+              <a:t>Robust </a:t>
+            </a:r>
+          </a:p>
+          <a:p>
+            <a:pPr marL="342900" indent="-342900">
+              <a:buFont typeface="Arial" panose="020B0604020202020204" pitchFamily="34" charset="0"/>
+              <a:buChar char="•"/>
+            </a:pPr>
+            <a:r>
+              <a:rPr lang="de-DE" sz="2400" dirty="0"/>
+              <a:t>2 angetriebene Achsen </a:t>
+            </a:r>
+          </a:p>
+          <a:p>
+            <a:pPr marL="342900" indent="-342900">
+              <a:buFont typeface="Arial" panose="020B0604020202020204" pitchFamily="34" charset="0"/>
+              <a:buChar char="•"/>
+            </a:pPr>
+            <a:r>
+              <a:rPr lang="de-DE" sz="2400" dirty="0"/>
+              <a:t>Individuelle Ausstattung</a:t>
+            </a:r>
+          </a:p>
+          <a:p>
+            <a:pPr marL="342900" indent="-342900">
+              <a:buFont typeface="Arial" panose="020B0604020202020204" pitchFamily="34" charset="0"/>
+              <a:buChar char="•"/>
+            </a:pPr>
+            <a:r>
+              <a:rPr lang="de-DE" sz="2400" dirty="0"/>
+              <a:t>Motoren mit Getriebe</a:t>
+            </a:r>
+          </a:p>
+          <a:p>
+            <a:pPr marL="342900" indent="-342900">
+              <a:buFont typeface="Arial" panose="020B0604020202020204" pitchFamily="34" charset="0"/>
+              <a:buChar char="•"/>
+            </a:pPr>
+            <a:r>
+              <a:rPr lang="de-DE" sz="2400" dirty="0"/>
+              <a:t>Kamera </a:t>
+            </a:r>
+          </a:p>
+          <a:p>
+            <a:pPr marL="342900" indent="-342900">
+              <a:buFont typeface="Arial" panose="020B0604020202020204" pitchFamily="34" charset="0"/>
+              <a:buChar char="•"/>
+            </a:pPr>
+            <a:r>
+              <a:rPr lang="de-DE" sz="2400" dirty="0"/>
+              <a:t>Raspberry Pi als Steuerung</a:t>
+            </a:r>
+          </a:p>
+          <a:p>
+            <a:pPr marL="342900" indent="-342900">
+              <a:buFont typeface="Arial" panose="020B0604020202020204" pitchFamily="34" charset="0"/>
+              <a:buChar char="•"/>
+            </a:pPr>
+            <a:endParaRPr lang="de-DE" sz="2400" dirty="0"/>
           </a:p>
         </p:txBody>
       </p:sp>
+      <p:pic>
+        <p:nvPicPr>
+          <p:cNvPr id="6" name="Bildplatzhalter 5">
+            <a:extLst>
+              <a:ext uri="{FF2B5EF4-FFF2-40B4-BE49-F238E27FC236}">
+                <a16:creationId xmlns:a16="http://schemas.microsoft.com/office/drawing/2014/main" id="{B25E9AEE-6CB9-2EAC-7CA7-23D471682782}"/>
+              </a:ext>
+            </a:extLst>
+          </p:cNvPr>
+          <p:cNvPicPr>
+            <a:picLocks noGrp="1" noChangeAspect="1"/>
+          </p:cNvPicPr>
+          <p:nvPr>
+            <p:ph type="pic" idx="1"/>
+          </p:nvPr>
+        </p:nvPicPr>
+        <p:blipFill>
+          <a:blip r:embed="rId3">
+            <a:extLst>
+              <a:ext uri="{28A0092B-C50C-407E-A947-70E740481C1C}">
+                <a14:useLocalDpi xmlns:a14="http://schemas.microsoft.com/office/drawing/2010/main" val="0"/>
+              </a:ext>
+            </a:extLst>
+          </a:blip>
+          <a:srcRect l="11997" r="11997"/>
+          <a:stretch>
+            <a:fillRect/>
+          </a:stretch>
+        </p:blipFill>
+        <p:spPr>
+          <a:xfrm>
+            <a:off x="5797550" y="609600"/>
+            <a:ext cx="5249863" cy="5181600"/>
+          </a:xfrm>
+          <a:prstGeom prst="rect">
+            <a:avLst/>
+          </a:prstGeom>
+        </p:spPr>
+      </p:pic>
     </p:spTree>
     <p:extLst>
       <p:ext uri="{BB962C8B-B14F-4D97-AF65-F5344CB8AC3E}">
-        <p14:creationId xmlns:p14="http://schemas.microsoft.com/office/powerpoint/2010/main" val="842699771"/>
+        <p14:creationId xmlns:p14="http://schemas.microsoft.com/office/powerpoint/2010/main" val="2920106909"/>
       </p:ext>
     </p:extLst>
   </p:cSld>
@@ -13033,6 +14059,197 @@
 </file>
 
 <file path=ppt/slides/slide6.xml><?xml version="1.0" encoding="utf-8"?>
+<p:sld xmlns:a="http://schemas.openxmlformats.org/drawingml/2006/main" xmlns:r="http://schemas.openxmlformats.org/officeDocument/2006/relationships" xmlns:p="http://schemas.openxmlformats.org/presentationml/2006/main">
+  <p:cSld>
+    <p:spTree>
+      <p:nvGrpSpPr>
+        <p:cNvPr id="1" name=""/>
+        <p:cNvGrpSpPr/>
+        <p:nvPr/>
+      </p:nvGrpSpPr>
+      <p:grpSpPr>
+        <a:xfrm>
+          <a:off x="0" y="0"/>
+          <a:ext cx="0" cy="0"/>
+          <a:chOff x="0" y="0"/>
+          <a:chExt cx="0" cy="0"/>
+        </a:xfrm>
+      </p:grpSpPr>
+      <p:sp>
+        <p:nvSpPr>
+          <p:cNvPr id="2" name="Titel 1">
+            <a:extLst>
+              <a:ext uri="{FF2B5EF4-FFF2-40B4-BE49-F238E27FC236}">
+                <a16:creationId xmlns:a16="http://schemas.microsoft.com/office/drawing/2014/main" id="{A28B63B1-2F32-2469-895E-3855EFF5513B}"/>
+              </a:ext>
+            </a:extLst>
+          </p:cNvPr>
+          <p:cNvSpPr>
+            <a:spLocks noGrp="1"/>
+          </p:cNvSpPr>
+          <p:nvPr>
+            <p:ph type="title"/>
+          </p:nvPr>
+        </p:nvSpPr>
+        <p:spPr/>
+        <p:txBody>
+          <a:bodyPr>
+            <a:normAutofit/>
+          </a:bodyPr>
+          <a:lstStyle/>
+          <a:p>
+            <a:r>
+              <a:rPr lang="de-DE" dirty="0"/>
+              <a:t>Software/ ROS2 &amp;Python</a:t>
+            </a:r>
+          </a:p>
+        </p:txBody>
+      </p:sp>
+      <p:sp>
+        <p:nvSpPr>
+          <p:cNvPr id="3" name="Inhaltsplatzhalter 2">
+            <a:extLst>
+              <a:ext uri="{FF2B5EF4-FFF2-40B4-BE49-F238E27FC236}">
+                <a16:creationId xmlns:a16="http://schemas.microsoft.com/office/drawing/2014/main" id="{67936BFC-9271-3D36-6BB4-B33DA2E0570A}"/>
+              </a:ext>
+            </a:extLst>
+          </p:cNvPr>
+          <p:cNvSpPr>
+            <a:spLocks noGrp="1"/>
+          </p:cNvSpPr>
+          <p:nvPr>
+            <p:ph sz="half" idx="1"/>
+          </p:nvPr>
+        </p:nvSpPr>
+        <p:spPr/>
+        <p:txBody>
+          <a:bodyPr/>
+          <a:lstStyle/>
+          <a:p>
+            <a:pPr marL="0" indent="0">
+              <a:buNone/>
+            </a:pPr>
+            <a:r>
+              <a:rPr lang="de-DE" b="1" dirty="0"/>
+              <a:t>Kern-Technologien</a:t>
+            </a:r>
+            <a:endParaRPr lang="de-DE" dirty="0"/>
+          </a:p>
+          <a:p>
+            <a:r>
+              <a:rPr lang="de-DE" dirty="0"/>
+              <a:t>ROS2 Nodes &amp; Topics</a:t>
+            </a:r>
+          </a:p>
+          <a:p>
+            <a:r>
+              <a:rPr lang="de-DE" dirty="0"/>
+              <a:t>Sensor Integration/Fusion</a:t>
+            </a:r>
+          </a:p>
+          <a:p>
+            <a:r>
+              <a:rPr lang="de-DE" dirty="0"/>
+              <a:t>Server &amp;Client </a:t>
+            </a:r>
+          </a:p>
+          <a:p>
+            <a:r>
+              <a:rPr lang="de-DE" dirty="0"/>
+              <a:t> </a:t>
+            </a:r>
+            <a:r>
+              <a:rPr lang="de-DE" dirty="0" err="1"/>
+              <a:t>Machine</a:t>
+            </a:r>
+            <a:r>
+              <a:rPr lang="de-DE" dirty="0"/>
+              <a:t> Vision</a:t>
+            </a:r>
+          </a:p>
+          <a:p>
+            <a:endParaRPr lang="de-DE" dirty="0"/>
+          </a:p>
+          <a:p>
+            <a:pPr marL="0" indent="0">
+              <a:buNone/>
+            </a:pPr>
+            <a:endParaRPr lang="de-DE" dirty="0"/>
+          </a:p>
+          <a:p>
+            <a:endParaRPr lang="de-DE" dirty="0"/>
+          </a:p>
+        </p:txBody>
+      </p:sp>
+      <p:sp>
+        <p:nvSpPr>
+          <p:cNvPr id="4" name="Inhaltsplatzhalter 3">
+            <a:extLst>
+              <a:ext uri="{FF2B5EF4-FFF2-40B4-BE49-F238E27FC236}">
+                <a16:creationId xmlns:a16="http://schemas.microsoft.com/office/drawing/2014/main" id="{9FA4C99B-2C7E-3192-5214-DB0142560BA1}"/>
+              </a:ext>
+            </a:extLst>
+          </p:cNvPr>
+          <p:cNvSpPr>
+            <a:spLocks noGrp="1"/>
+          </p:cNvSpPr>
+          <p:nvPr>
+            <p:ph sz="half" idx="2"/>
+          </p:nvPr>
+        </p:nvSpPr>
+        <p:spPr/>
+        <p:txBody>
+          <a:bodyPr/>
+          <a:lstStyle/>
+          <a:p>
+            <a:pPr marL="0" indent="0">
+              <a:buNone/>
+            </a:pPr>
+            <a:r>
+              <a:rPr lang="de-DE" b="1" dirty="0"/>
+              <a:t>Vorteile</a:t>
+            </a:r>
+          </a:p>
+          <a:p>
+            <a:r>
+              <a:rPr lang="de-DE" dirty="0"/>
+              <a:t>Echtzeit-fähig</a:t>
+            </a:r>
+          </a:p>
+          <a:p>
+            <a:r>
+              <a:rPr lang="de-DE" dirty="0"/>
+              <a:t>Modular</a:t>
+            </a:r>
+          </a:p>
+          <a:p>
+            <a:r>
+              <a:rPr lang="de-DE" dirty="0"/>
+              <a:t>Industrie-erprobt</a:t>
+            </a:r>
+          </a:p>
+          <a:p>
+            <a:pPr marL="0" indent="0">
+              <a:buNone/>
+            </a:pPr>
+            <a:endParaRPr lang="de-DE" dirty="0"/>
+          </a:p>
+        </p:txBody>
+      </p:sp>
+    </p:spTree>
+    <p:extLst>
+      <p:ext uri="{BB962C8B-B14F-4D97-AF65-F5344CB8AC3E}">
+        <p14:creationId xmlns:p14="http://schemas.microsoft.com/office/powerpoint/2010/main" val="3075723003"/>
+      </p:ext>
+    </p:extLst>
+  </p:cSld>
+  <p:clrMapOvr>
+    <a:masterClrMapping/>
+  </p:clrMapOvr>
+</p:sld>
+</file>
+
+<file path=ppt/slides/slide7.xml><?xml version="1.0" encoding="utf-8"?>
 <p:sld xmlns:a="http://schemas.openxmlformats.org/drawingml/2006/main" xmlns:r="http://schemas.openxmlformats.org/officeDocument/2006/relationships" xmlns:p="http://schemas.openxmlformats.org/presentationml/2006/main">
   <p:cSld>
     <p:spTree>
@@ -13116,6 +14333,23 @@
             </a:r>
           </a:p>
           <a:p>
+            <a:r>
+              <a:rPr lang="de-DE" dirty="0"/>
+              <a:t>Schwarm Betrieb /</a:t>
+            </a:r>
+            <a:r>
+              <a:rPr lang="de-DE" dirty="0" err="1"/>
+              <a:t>Cooperation</a:t>
+            </a:r>
+            <a:r>
+              <a:rPr lang="de-DE" dirty="0"/>
+              <a:t> unter Robotern</a:t>
+            </a:r>
+          </a:p>
+          <a:p>
+            <a:endParaRPr lang="de-DE" dirty="0"/>
+          </a:p>
+          <a:p>
             <a:endParaRPr lang="de-DE" dirty="0"/>
           </a:p>
           <a:p>
@@ -13142,7 +14376,7 @@
 </p:sld>
 </file>
 
-<file path=ppt/slides/slide7.xml><?xml version="1.0" encoding="utf-8"?>
+<file path=ppt/slides/slide8.xml><?xml version="1.0" encoding="utf-8"?>
 <p:sld xmlns:a="http://schemas.openxmlformats.org/drawingml/2006/main" xmlns:r="http://schemas.openxmlformats.org/officeDocument/2006/relationships" xmlns:p="http://schemas.openxmlformats.org/presentationml/2006/main">
   <p:cSld>
     <p:spTree>
@@ -13164,7 +14398,7 @@
           <p:cNvPr id="2" name="Titel 1">
             <a:extLst>
               <a:ext uri="{FF2B5EF4-FFF2-40B4-BE49-F238E27FC236}">
-                <a16:creationId xmlns:a16="http://schemas.microsoft.com/office/drawing/2014/main" id="{DD036A26-C947-AFE0-DD6C-99C636DEFD68}"/>
+                <a16:creationId xmlns:a16="http://schemas.microsoft.com/office/drawing/2014/main" id="{EE3B403A-B76C-64CF-482F-860ECB1016AF}"/>
               </a:ext>
             </a:extLst>
           </p:cNvPr>
@@ -13181,10 +14415,9 @@
           <a:lstStyle/>
           <a:p>
             <a:r>
-              <a:rPr lang="de-DE" dirty="0" err="1"/>
-              <a:t>BildQuellen</a:t>
-            </a:r>
-            <a:endParaRPr lang="de-DE" dirty="0"/>
+              <a:rPr lang="de-DE" dirty="0"/>
+              <a:t>Projektplan</a:t>
+            </a:r>
           </a:p>
         </p:txBody>
       </p:sp>
@@ -13193,7 +14426,7 @@
           <p:cNvPr id="3" name="Inhaltsplatzhalter 2">
             <a:extLst>
               <a:ext uri="{FF2B5EF4-FFF2-40B4-BE49-F238E27FC236}">
-                <a16:creationId xmlns:a16="http://schemas.microsoft.com/office/drawing/2014/main" id="{11DC44DC-CE18-BD80-A1B1-A5F25AB75E95}"/>
+                <a16:creationId xmlns:a16="http://schemas.microsoft.com/office/drawing/2014/main" id="{D99D5D49-651B-7D64-D7E9-8D8B37EC8F2F}"/>
               </a:ext>
             </a:extLst>
           </p:cNvPr>
@@ -13210,8 +14443,17 @@
           <a:lstStyle/>
           <a:p>
             <a:r>
+              <a:rPr lang="de-DE" dirty="0">
+                <a:hlinkClick r:id="rId3"/>
+              </a:rPr>
+              <a:t>https://github.com/users/yaba-source/projects/1/views/4</a:t>
+            </a:r>
+            <a:endParaRPr lang="de-DE" dirty="0"/>
+          </a:p>
+          <a:p>
+            <a:r>
               <a:rPr lang="de-DE" dirty="0"/>
-              <a:t>https://mechatronikausbildung.wordpress.com/2017/03/28/ipek-turns-blue/</a:t>
+              <a:t>Bild mit Roadmap mit Hyperlink integriert</a:t>
             </a:r>
           </a:p>
         </p:txBody>
@@ -13219,7 +14461,129 @@
     </p:spTree>
     <p:extLst>
       <p:ext uri="{BB962C8B-B14F-4D97-AF65-F5344CB8AC3E}">
-        <p14:creationId xmlns:p14="http://schemas.microsoft.com/office/powerpoint/2010/main" val="1426197800"/>
+        <p14:creationId xmlns:p14="http://schemas.microsoft.com/office/powerpoint/2010/main" val="842699771"/>
+      </p:ext>
+    </p:extLst>
+  </p:cSld>
+  <p:clrMapOvr>
+    <a:masterClrMapping/>
+  </p:clrMapOvr>
+</p:sld>
+</file>
+
+<file path=ppt/slides/slide9.xml><?xml version="1.0" encoding="utf-8"?>
+<p:sld xmlns:a="http://schemas.openxmlformats.org/drawingml/2006/main" xmlns:r="http://schemas.openxmlformats.org/officeDocument/2006/relationships" xmlns:p="http://schemas.openxmlformats.org/presentationml/2006/main">
+  <p:cSld>
+    <p:spTree>
+      <p:nvGrpSpPr>
+        <p:cNvPr id="1" name=""/>
+        <p:cNvGrpSpPr/>
+        <p:nvPr/>
+      </p:nvGrpSpPr>
+      <p:grpSpPr>
+        <a:xfrm>
+          <a:off x="0" y="0"/>
+          <a:ext cx="0" cy="0"/>
+          <a:chOff x="0" y="0"/>
+          <a:chExt cx="0" cy="0"/>
+        </a:xfrm>
+      </p:grpSpPr>
+      <p:sp>
+        <p:nvSpPr>
+          <p:cNvPr id="2" name="Titel 1">
+            <a:extLst>
+              <a:ext uri="{FF2B5EF4-FFF2-40B4-BE49-F238E27FC236}">
+                <a16:creationId xmlns:a16="http://schemas.microsoft.com/office/drawing/2014/main" id="{DF933B3B-D916-6608-C543-4DE7F8D4FA1F}"/>
+              </a:ext>
+            </a:extLst>
+          </p:cNvPr>
+          <p:cNvSpPr>
+            <a:spLocks noGrp="1"/>
+          </p:cNvSpPr>
+          <p:nvPr>
+            <p:ph type="title"/>
+          </p:nvPr>
+        </p:nvSpPr>
+        <p:spPr/>
+        <p:txBody>
+          <a:bodyPr/>
+          <a:lstStyle/>
+          <a:p>
+            <a:r>
+              <a:rPr lang="de-DE" dirty="0"/>
+              <a:t>Projektmanagement </a:t>
+            </a:r>
+          </a:p>
+        </p:txBody>
+      </p:sp>
+      <p:sp>
+        <p:nvSpPr>
+          <p:cNvPr id="3" name="Inhaltsplatzhalter 2">
+            <a:extLst>
+              <a:ext uri="{FF2B5EF4-FFF2-40B4-BE49-F238E27FC236}">
+                <a16:creationId xmlns:a16="http://schemas.microsoft.com/office/drawing/2014/main" id="{FD825EAA-E926-2557-6945-915E1A1FB9FD}"/>
+              </a:ext>
+            </a:extLst>
+          </p:cNvPr>
+          <p:cNvSpPr>
+            <a:spLocks noGrp="1"/>
+          </p:cNvSpPr>
+          <p:nvPr>
+            <p:ph idx="1"/>
+          </p:nvPr>
+        </p:nvSpPr>
+        <p:spPr/>
+        <p:txBody>
+          <a:bodyPr/>
+          <a:lstStyle/>
+          <a:p>
+            <a:r>
+              <a:rPr lang="de-DE" dirty="0"/>
+              <a:t>Der Projektplan steht</a:t>
+            </a:r>
+          </a:p>
+          <a:p>
+            <a:r>
+              <a:rPr lang="de-DE" dirty="0"/>
+              <a:t>Sub-</a:t>
+            </a:r>
+            <a:r>
+              <a:rPr lang="de-DE" dirty="0" err="1"/>
+              <a:t>Issues</a:t>
+            </a:r>
+            <a:r>
+              <a:rPr lang="de-DE" dirty="0"/>
+              <a:t> zur Arbeitsverteilung werden Agile hinzugefügt</a:t>
+            </a:r>
+          </a:p>
+          <a:p>
+            <a:r>
+              <a:rPr lang="de-DE" dirty="0" err="1"/>
+              <a:t>Git</a:t>
+            </a:r>
+            <a:r>
+              <a:rPr lang="de-DE" dirty="0"/>
+              <a:t>-Hub wird im Verlauf des Projekts gepflegt</a:t>
+            </a:r>
+          </a:p>
+          <a:p>
+            <a:endParaRPr lang="de-DE" dirty="0"/>
+          </a:p>
+          <a:p>
+            <a:endParaRPr lang="de-DE" dirty="0"/>
+          </a:p>
+          <a:p>
+            <a:pPr marL="0" indent="0">
+              <a:buNone/>
+            </a:pPr>
+            <a:endParaRPr lang="de-DE" dirty="0"/>
+          </a:p>
+        </p:txBody>
+      </p:sp>
+    </p:spTree>
+    <p:extLst>
+      <p:ext uri="{BB962C8B-B14F-4D97-AF65-F5344CB8AC3E}">
+        <p14:creationId xmlns:p14="http://schemas.microsoft.com/office/powerpoint/2010/main" val="2429354606"/>
       </p:ext>
     </p:extLst>
   </p:cSld>
@@ -13232,7 +14596,7 @@
 <file path=ppt/theme/theme1.xml><?xml version="1.0" encoding="utf-8"?>
 <a:theme xmlns:a="http://schemas.openxmlformats.org/drawingml/2006/main" name="Schaltkreis">
   <a:themeElements>
-    <a:clrScheme name="Schaltkreis">
+    <a:clrScheme name="Office">
       <a:dk1>
         <a:sysClr val="windowText" lastClr="000000"/>
       </a:dk1>
@@ -13240,34 +14604,34 @@
         <a:sysClr val="window" lastClr="FFFFFF"/>
       </a:lt1>
       <a:dk2>
-        <a:srgbClr val="252C36"/>
+        <a:srgbClr val="44546A"/>
       </a:dk2>
       <a:lt2>
-        <a:srgbClr val="7C96A3"/>
+        <a:srgbClr val="E7E6E6"/>
       </a:lt2>
       <a:accent1>
-        <a:srgbClr val="4FD093"/>
+        <a:srgbClr val="4472C4"/>
       </a:accent1>
       <a:accent2>
-        <a:srgbClr val="54BCDF"/>
+        <a:srgbClr val="ED7D31"/>
       </a:accent2>
       <a:accent3>
-        <a:srgbClr val="A262D0"/>
+        <a:srgbClr val="A5A5A5"/>
       </a:accent3>
       <a:accent4>
-        <a:srgbClr val="D7537B"/>
+        <a:srgbClr val="FFC000"/>
       </a:accent4>
       <a:accent5>
-        <a:srgbClr val="E78045"/>
+        <a:srgbClr val="5B9BD5"/>
       </a:accent5>
       <a:accent6>
-        <a:srgbClr val="84C350"/>
+        <a:srgbClr val="70AD47"/>
       </a:accent6>
       <a:hlink>
-        <a:srgbClr val="22FFFF"/>
+        <a:srgbClr val="0563C1"/>
       </a:hlink>
       <a:folHlink>
-        <a:srgbClr val="9BF3FD"/>
+        <a:srgbClr val="954F72"/>
       </a:folHlink>
     </a:clrScheme>
     <a:fontScheme name="Calibri">
@@ -13478,4 +14842,299 @@
     </a:ext>
   </a:extLst>
 </a:theme>
+</file>
+
+<file path=ppt/theme/theme2.xml><?xml version="1.0" encoding="utf-8"?>
+<a:theme xmlns:a="http://schemas.openxmlformats.org/drawingml/2006/main" name="Office">
+  <a:themeElements>
+    <a:clrScheme name="Office">
+      <a:dk1>
+        <a:sysClr val="windowText" lastClr="000000"/>
+      </a:dk1>
+      <a:lt1>
+        <a:sysClr val="window" lastClr="FFFFFF"/>
+      </a:lt1>
+      <a:dk2>
+        <a:srgbClr val="44546A"/>
+      </a:dk2>
+      <a:lt2>
+        <a:srgbClr val="E7E6E6"/>
+      </a:lt2>
+      <a:accent1>
+        <a:srgbClr val="4472C4"/>
+      </a:accent1>
+      <a:accent2>
+        <a:srgbClr val="ED7D31"/>
+      </a:accent2>
+      <a:accent3>
+        <a:srgbClr val="A5A5A5"/>
+      </a:accent3>
+      <a:accent4>
+        <a:srgbClr val="FFC000"/>
+      </a:accent4>
+      <a:accent5>
+        <a:srgbClr val="5B9BD5"/>
+      </a:accent5>
+      <a:accent6>
+        <a:srgbClr val="70AD47"/>
+      </a:accent6>
+      <a:hlink>
+        <a:srgbClr val="0563C1"/>
+      </a:hlink>
+      <a:folHlink>
+        <a:srgbClr val="954F72"/>
+      </a:folHlink>
+    </a:clrScheme>
+    <a:fontScheme name="Office">
+      <a:majorFont>
+        <a:latin typeface="Calibri Light" panose="020F0302020204030204"/>
+        <a:ea typeface=""/>
+        <a:cs typeface=""/>
+        <a:font script="Jpan" typeface="游ゴシック Light"/>
+        <a:font script="Hang" typeface="맑은 고딕"/>
+        <a:font script="Hans" typeface="等线 Light"/>
+        <a:font script="Hant" typeface="新細明體"/>
+        <a:font script="Arab" typeface="Times New Roman"/>
+        <a:font script="Hebr" typeface="Times New Roman"/>
+        <a:font script="Thai" typeface="Angsana New"/>
+        <a:font script="Ethi" typeface="Nyala"/>
+        <a:font script="Beng" typeface="Vrinda"/>
+        <a:font script="Gujr" typeface="Shruti"/>
+        <a:font script="Khmr" typeface="MoolBoran"/>
+        <a:font script="Knda" typeface="Tunga"/>
+        <a:font script="Guru" typeface="Raavi"/>
+        <a:font script="Cans" typeface="Euphemia"/>
+        <a:font script="Cher" typeface="Plantagenet Cherokee"/>
+        <a:font script="Yiii" typeface="Microsoft Yi Baiti"/>
+        <a:font script="Tibt" typeface="Microsoft Himalaya"/>
+        <a:font script="Thaa" typeface="MV Boli"/>
+        <a:font script="Deva" typeface="Mangal"/>
+        <a:font script="Telu" typeface="Gautami"/>
+        <a:font script="Taml" typeface="Latha"/>
+        <a:font script="Syrc" typeface="Estrangelo Edessa"/>
+        <a:font script="Orya" typeface="Kalinga"/>
+        <a:font script="Mlym" typeface="Kartika"/>
+        <a:font script="Laoo" typeface="DokChampa"/>
+        <a:font script="Sinh" typeface="Iskoola Pota"/>
+        <a:font script="Mong" typeface="Mongolian Baiti"/>
+        <a:font script="Viet" typeface="Times New Roman"/>
+        <a:font script="Uigh" typeface="Microsoft Uighur"/>
+        <a:font script="Geor" typeface="Sylfaen"/>
+        <a:font script="Armn" typeface="Arial"/>
+        <a:font script="Bugi" typeface="Leelawadee UI"/>
+        <a:font script="Bopo" typeface="Microsoft JhengHei"/>
+        <a:font script="Java" typeface="Javanese Text"/>
+        <a:font script="Lisu" typeface="Segoe UI"/>
+        <a:font script="Mymr" typeface="Myanmar Text"/>
+        <a:font script="Nkoo" typeface="Ebrima"/>
+        <a:font script="Olck" typeface="Nirmala UI"/>
+        <a:font script="Osma" typeface="Ebrima"/>
+        <a:font script="Phag" typeface="Phagspa"/>
+        <a:font script="Syrn" typeface="Estrangelo Edessa"/>
+        <a:font script="Syrj" typeface="Estrangelo Edessa"/>
+        <a:font script="Syre" typeface="Estrangelo Edessa"/>
+        <a:font script="Sora" typeface="Nirmala UI"/>
+        <a:font script="Tale" typeface="Microsoft Tai Le"/>
+        <a:font script="Talu" typeface="Microsoft New Tai Lue"/>
+        <a:font script="Tfng" typeface="Ebrima"/>
+      </a:majorFont>
+      <a:minorFont>
+        <a:latin typeface="Calibri" panose="020F0502020204030204"/>
+        <a:ea typeface=""/>
+        <a:cs typeface=""/>
+        <a:font script="Jpan" typeface="游ゴシック"/>
+        <a:font script="Hang" typeface="맑은 고딕"/>
+        <a:font script="Hans" typeface="等线"/>
+        <a:font script="Hant" typeface="新細明體"/>
+        <a:font script="Arab" typeface="Arial"/>
+        <a:font script="Hebr" typeface="Arial"/>
+        <a:font script="Thai" typeface="Cordia New"/>
+        <a:font script="Ethi" typeface="Nyala"/>
+        <a:font script="Beng" typeface="Vrinda"/>
+        <a:font script="Gujr" typeface="Shruti"/>
+        <a:font script="Khmr" typeface="DaunPenh"/>
+        <a:font script="Knda" typeface="Tunga"/>
+        <a:font script="Guru" typeface="Raavi"/>
+        <a:font script="Cans" typeface="Euphemia"/>
+        <a:font script="Cher" typeface="Plantagenet Cherokee"/>
+        <a:font script="Yiii" typeface="Microsoft Yi Baiti"/>
+        <a:font script="Tibt" typeface="Microsoft Himalaya"/>
+        <a:font script="Thaa" typeface="MV Boli"/>
+        <a:font script="Deva" typeface="Mangal"/>
+        <a:font script="Telu" typeface="Gautami"/>
+        <a:font script="Taml" typeface="Latha"/>
+        <a:font script="Syrc" typeface="Estrangelo Edessa"/>
+        <a:font script="Orya" typeface="Kalinga"/>
+        <a:font script="Mlym" typeface="Kartika"/>
+        <a:font script="Laoo" typeface="DokChampa"/>
+        <a:font script="Sinh" typeface="Iskoola Pota"/>
+        <a:font script="Mong" typeface="Mongolian Baiti"/>
+        <a:font script="Viet" typeface="Arial"/>
+        <a:font script="Uigh" typeface="Microsoft Uighur"/>
+        <a:font script="Geor" typeface="Sylfaen"/>
+        <a:font script="Armn" typeface="Arial"/>
+        <a:font script="Bugi" typeface="Leelawadee UI"/>
+        <a:font script="Bopo" typeface="Microsoft JhengHei"/>
+        <a:font script="Java" typeface="Javanese Text"/>
+        <a:font script="Lisu" typeface="Segoe UI"/>
+        <a:font script="Mymr" typeface="Myanmar Text"/>
+        <a:font script="Nkoo" typeface="Ebrima"/>
+        <a:font script="Olck" typeface="Nirmala UI"/>
+        <a:font script="Osma" typeface="Ebrima"/>
+        <a:font script="Phag" typeface="Phagspa"/>
+        <a:font script="Syrn" typeface="Estrangelo Edessa"/>
+        <a:font script="Syrj" typeface="Estrangelo Edessa"/>
+        <a:font script="Syre" typeface="Estrangelo Edessa"/>
+        <a:font script="Sora" typeface="Nirmala UI"/>
+        <a:font script="Tale" typeface="Microsoft Tai Le"/>
+        <a:font script="Talu" typeface="Microsoft New Tai Lue"/>
+        <a:font script="Tfng" typeface="Ebrima"/>
+      </a:minorFont>
+    </a:fontScheme>
+    <a:fmtScheme name="Office">
+      <a:fillStyleLst>
+        <a:solidFill>
+          <a:schemeClr val="phClr"/>
+        </a:solidFill>
+        <a:gradFill rotWithShape="1">
+          <a:gsLst>
+            <a:gs pos="0">
+              <a:schemeClr val="phClr">
+                <a:lumMod val="110000"/>
+                <a:satMod val="105000"/>
+                <a:tint val="67000"/>
+              </a:schemeClr>
+            </a:gs>
+            <a:gs pos="50000">
+              <a:schemeClr val="phClr">
+                <a:lumMod val="105000"/>
+                <a:satMod val="103000"/>
+                <a:tint val="73000"/>
+              </a:schemeClr>
+            </a:gs>
+            <a:gs pos="100000">
+              <a:schemeClr val="phClr">
+                <a:lumMod val="105000"/>
+                <a:satMod val="109000"/>
+                <a:tint val="81000"/>
+              </a:schemeClr>
+            </a:gs>
+          </a:gsLst>
+          <a:lin ang="5400000" scaled="0"/>
+        </a:gradFill>
+        <a:gradFill rotWithShape="1">
+          <a:gsLst>
+            <a:gs pos="0">
+              <a:schemeClr val="phClr">
+                <a:satMod val="103000"/>
+                <a:lumMod val="102000"/>
+                <a:tint val="94000"/>
+              </a:schemeClr>
+            </a:gs>
+            <a:gs pos="50000">
+              <a:schemeClr val="phClr">
+                <a:satMod val="110000"/>
+                <a:lumMod val="100000"/>
+                <a:shade val="100000"/>
+              </a:schemeClr>
+            </a:gs>
+            <a:gs pos="100000">
+              <a:schemeClr val="phClr">
+                <a:lumMod val="99000"/>
+                <a:satMod val="120000"/>
+                <a:shade val="78000"/>
+              </a:schemeClr>
+            </a:gs>
+          </a:gsLst>
+          <a:lin ang="5400000" scaled="0"/>
+        </a:gradFill>
+      </a:fillStyleLst>
+      <a:lnStyleLst>
+        <a:ln w="6350" cap="flat" cmpd="sng" algn="ctr">
+          <a:solidFill>
+            <a:schemeClr val="phClr"/>
+          </a:solidFill>
+          <a:prstDash val="solid"/>
+          <a:miter lim="800000"/>
+        </a:ln>
+        <a:ln w="12700" cap="flat" cmpd="sng" algn="ctr">
+          <a:solidFill>
+            <a:schemeClr val="phClr"/>
+          </a:solidFill>
+          <a:prstDash val="solid"/>
+          <a:miter lim="800000"/>
+        </a:ln>
+        <a:ln w="19050" cap="flat" cmpd="sng" algn="ctr">
+          <a:solidFill>
+            <a:schemeClr val="phClr"/>
+          </a:solidFill>
+          <a:prstDash val="solid"/>
+          <a:miter lim="800000"/>
+        </a:ln>
+      </a:lnStyleLst>
+      <a:effectStyleLst>
+        <a:effectStyle>
+          <a:effectLst/>
+        </a:effectStyle>
+        <a:effectStyle>
+          <a:effectLst/>
+        </a:effectStyle>
+        <a:effectStyle>
+          <a:effectLst>
+            <a:outerShdw blurRad="57150" dist="19050" dir="5400000" algn="ctr" rotWithShape="0">
+              <a:srgbClr val="000000">
+                <a:alpha val="63000"/>
+              </a:srgbClr>
+            </a:outerShdw>
+          </a:effectLst>
+        </a:effectStyle>
+      </a:effectStyleLst>
+      <a:bgFillStyleLst>
+        <a:solidFill>
+          <a:schemeClr val="phClr"/>
+        </a:solidFill>
+        <a:solidFill>
+          <a:schemeClr val="phClr">
+            <a:tint val="95000"/>
+            <a:satMod val="170000"/>
+          </a:schemeClr>
+        </a:solidFill>
+        <a:gradFill rotWithShape="1">
+          <a:gsLst>
+            <a:gs pos="0">
+              <a:schemeClr val="phClr">
+                <a:tint val="93000"/>
+                <a:satMod val="150000"/>
+                <a:shade val="98000"/>
+                <a:lumMod val="102000"/>
+              </a:schemeClr>
+            </a:gs>
+            <a:gs pos="50000">
+              <a:schemeClr val="phClr">
+                <a:tint val="98000"/>
+                <a:satMod val="130000"/>
+                <a:shade val="90000"/>
+                <a:lumMod val="103000"/>
+              </a:schemeClr>
+            </a:gs>
+            <a:gs pos="100000">
+              <a:schemeClr val="phClr">
+                <a:shade val="63000"/>
+                <a:satMod val="120000"/>
+              </a:schemeClr>
+            </a:gs>
+          </a:gsLst>
+          <a:lin ang="5400000" scaled="0"/>
+        </a:gradFill>
+      </a:bgFillStyleLst>
+    </a:fmtScheme>
+  </a:themeElements>
+  <a:objectDefaults/>
+  <a:extraClrSchemeLst/>
+  <a:extLst>
+    <a:ext uri="{05A4C25C-085E-4340-85A3-A5531E510DB2}">
+      <thm15:themeFamily xmlns:thm15="http://schemas.microsoft.com/office/thememl/2012/main" name="Office Theme" id="{62F939B6-93AF-4DB8-9C6B-D6C7DFDC589F}" vid="{4A3C46E8-61CC-4603-A589-7422A47A8E4A}"/>
+    </a:ext>
+  </a:extLst>
+</a:theme>
 </file>
--- a/The Canalchecker.pptx
+++ b/The Canalchecker.pptx
@@ -11,10 +11,10 @@
     <p:sldId id="256" r:id="rId2"/>
     <p:sldId id="257" r:id="rId3"/>
     <p:sldId id="260" r:id="rId4"/>
-    <p:sldId id="261" r:id="rId5"/>
+    <p:sldId id="259" r:id="rId5"/>
     <p:sldId id="265" r:id="rId6"/>
     <p:sldId id="267" r:id="rId7"/>
-    <p:sldId id="259" r:id="rId8"/>
+    <p:sldId id="261" r:id="rId8"/>
     <p:sldId id="258" r:id="rId9"/>
     <p:sldId id="263" r:id="rId10"/>
     <p:sldId id="262" r:id="rId11"/>
@@ -206,7 +206,7 @@
           <a:p>
             <a:fld id="{AB8969C2-6A2B-45A1-834B-EFBF25EB5BC2}" type="datetimeFigureOut">
               <a:rPr lang="de-DE" smtClean="0"/>
-              <a:t>27.10.2025</a:t>
+              <a:t>29.10.2025</a:t>
             </a:fld>
             <a:endParaRPr lang="de-DE"/>
           </a:p>
@@ -612,6 +612,23 @@
           <a:bodyPr/>
           <a:lstStyle/>
           <a:p>
+            <a:r>
+              <a:rPr lang="de-DE" dirty="0"/>
+              <a:t>Alle Bauteile aus </a:t>
+            </a:r>
+            <a:r>
+              <a:rPr lang="de-DE" dirty="0" err="1"/>
+              <a:t>Aluminum</a:t>
+            </a:r>
+            <a:endParaRPr lang="de-DE" dirty="0"/>
+          </a:p>
+          <a:p>
+            <a:r>
+              <a:rPr lang="de-DE" dirty="0"/>
+              <a:t>Traktion und Standhaft Kletterfähigkeit </a:t>
+            </a:r>
+          </a:p>
+          <a:p>
             <a:endParaRPr lang="de-DE" dirty="0"/>
           </a:p>
         </p:txBody>
@@ -633,7 +650,7 @@
           <a:p>
             <a:fld id="{5B569192-1AE1-4F0B-8800-DE5374D7B6A9}" type="slidenum">
               <a:rPr lang="de-DE" smtClean="0"/>
-              <a:t>4</a:t>
+              <a:t>5</a:t>
             </a:fld>
             <a:endParaRPr lang="de-DE"/>
           </a:p>
@@ -642,7 +659,7 @@
     </p:spTree>
     <p:extLst>
       <p:ext uri="{BB962C8B-B14F-4D97-AF65-F5344CB8AC3E}">
-        <p14:creationId xmlns:p14="http://schemas.microsoft.com/office/powerpoint/2010/main" val="1868956118"/>
+        <p14:creationId xmlns:p14="http://schemas.microsoft.com/office/powerpoint/2010/main" val="3600272325"/>
       </p:ext>
     </p:extLst>
   </p:cSld>
@@ -696,23 +713,6 @@
           <a:bodyPr/>
           <a:lstStyle/>
           <a:p>
-            <a:r>
-              <a:rPr lang="de-DE" dirty="0"/>
-              <a:t>Alle Bauteile aus </a:t>
-            </a:r>
-            <a:r>
-              <a:rPr lang="de-DE" dirty="0" err="1"/>
-              <a:t>Aluminum</a:t>
-            </a:r>
-            <a:endParaRPr lang="de-DE" dirty="0"/>
-          </a:p>
-          <a:p>
-            <a:r>
-              <a:rPr lang="de-DE" dirty="0"/>
-              <a:t>Traktion und Standhaft Kletterfähigkeit </a:t>
-            </a:r>
-          </a:p>
-          <a:p>
             <a:endParaRPr lang="de-DE" dirty="0"/>
           </a:p>
         </p:txBody>
@@ -734,7 +734,7 @@
           <a:p>
             <a:fld id="{5B569192-1AE1-4F0B-8800-DE5374D7B6A9}" type="slidenum">
               <a:rPr lang="de-DE" smtClean="0"/>
-              <a:t>5</a:t>
+              <a:t>6</a:t>
             </a:fld>
             <a:endParaRPr lang="de-DE"/>
           </a:p>
@@ -743,7 +743,7 @@
     </p:spTree>
     <p:extLst>
       <p:ext uri="{BB962C8B-B14F-4D97-AF65-F5344CB8AC3E}">
-        <p14:creationId xmlns:p14="http://schemas.microsoft.com/office/powerpoint/2010/main" val="3600272325"/>
+        <p14:creationId xmlns:p14="http://schemas.microsoft.com/office/powerpoint/2010/main" val="422260609"/>
       </p:ext>
     </p:extLst>
   </p:cSld>
@@ -818,7 +818,7 @@
           <a:p>
             <a:fld id="{5B569192-1AE1-4F0B-8800-DE5374D7B6A9}" type="slidenum">
               <a:rPr lang="de-DE" smtClean="0"/>
-              <a:t>6</a:t>
+              <a:t>7</a:t>
             </a:fld>
             <a:endParaRPr lang="de-DE"/>
           </a:p>
@@ -827,7 +827,7 @@
     </p:spTree>
     <p:extLst>
       <p:ext uri="{BB962C8B-B14F-4D97-AF65-F5344CB8AC3E}">
-        <p14:creationId xmlns:p14="http://schemas.microsoft.com/office/powerpoint/2010/main" val="422260609"/>
+        <p14:creationId xmlns:p14="http://schemas.microsoft.com/office/powerpoint/2010/main" val="1868956118"/>
       </p:ext>
     </p:extLst>
   </p:cSld>
@@ -978,7 +978,7 @@
           <a:noFill/>
           <a:extLst>
             <a:ext uri="{909E8E84-426E-40dd-AFC4-6F175D3DCCD1}">
-              <a14:hiddenFill xmlns:a14="http://schemas.microsoft.com/office/drawing/2010/main" xmlns="">
+              <a14:hiddenFill xmlns="" xmlns:a14="http://schemas.microsoft.com/office/drawing/2010/main">
                 <a:solidFill>
                   <a:srgbClr val="FFFFFF"/>
                 </a:solidFill>
@@ -1037,7 +1037,7 @@
             </a:ln>
             <a:extLst>
               <a:ext uri="{91240B29-F687-4f45-9708-019B960494DF}">
-                <a14:hiddenLine xmlns:a14="http://schemas.microsoft.com/office/drawing/2010/main" xmlns="" w="9525">
+                <a14:hiddenLine xmlns="" xmlns:a14="http://schemas.microsoft.com/office/drawing/2010/main" w="9525">
                   <a:solidFill>
                     <a:srgbClr val="000000"/>
                   </a:solidFill>
@@ -1127,7 +1127,7 @@
             </a:ln>
             <a:extLst>
               <a:ext uri="{91240B29-F687-4f45-9708-019B960494DF}">
-                <a14:hiddenLine xmlns:a14="http://schemas.microsoft.com/office/drawing/2010/main" xmlns="" w="9525">
+                <a14:hiddenLine xmlns="" xmlns:a14="http://schemas.microsoft.com/office/drawing/2010/main" w="9525">
                   <a:solidFill>
                     <a:srgbClr val="000000"/>
                   </a:solidFill>
@@ -1217,7 +1217,7 @@
             </a:ln>
             <a:extLst>
               <a:ext uri="{91240B29-F687-4f45-9708-019B960494DF}">
-                <a14:hiddenLine xmlns:a14="http://schemas.microsoft.com/office/drawing/2010/main" xmlns="" w="9525">
+                <a14:hiddenLine xmlns="" xmlns:a14="http://schemas.microsoft.com/office/drawing/2010/main" w="9525">
                   <a:solidFill>
                     <a:srgbClr val="000000"/>
                   </a:solidFill>
@@ -1251,7 +1251,7 @@
             </a:ln>
             <a:extLst>
               <a:ext uri="{91240B29-F687-4f45-9708-019B960494DF}">
-                <a14:hiddenLine xmlns:a14="http://schemas.microsoft.com/office/drawing/2010/main" xmlns="" w="9525">
+                <a14:hiddenLine xmlns="" xmlns:a14="http://schemas.microsoft.com/office/drawing/2010/main" w="9525">
                   <a:solidFill>
                     <a:srgbClr val="000000"/>
                   </a:solidFill>
@@ -1341,7 +1341,7 @@
             </a:ln>
             <a:extLst>
               <a:ext uri="{91240B29-F687-4f45-9708-019B960494DF}">
-                <a14:hiddenLine xmlns:a14="http://schemas.microsoft.com/office/drawing/2010/main" xmlns="" w="9525">
+                <a14:hiddenLine xmlns="" xmlns:a14="http://schemas.microsoft.com/office/drawing/2010/main" w="9525">
                   <a:solidFill>
                     <a:srgbClr val="000000"/>
                   </a:solidFill>
@@ -1403,7 +1403,7 @@
             </a:ln>
             <a:extLst>
               <a:ext uri="{91240B29-F687-4f45-9708-019B960494DF}">
-                <a14:hiddenLine xmlns:a14="http://schemas.microsoft.com/office/drawing/2010/main" xmlns="" w="9525">
+                <a14:hiddenLine xmlns="" xmlns:a14="http://schemas.microsoft.com/office/drawing/2010/main" w="9525">
                   <a:solidFill>
                     <a:srgbClr val="000000"/>
                   </a:solidFill>
@@ -1465,7 +1465,7 @@
             </a:ln>
             <a:extLst>
               <a:ext uri="{91240B29-F687-4f45-9708-019B960494DF}">
-                <a14:hiddenLine xmlns:a14="http://schemas.microsoft.com/office/drawing/2010/main" xmlns="" w="9525">
+                <a14:hiddenLine xmlns="" xmlns:a14="http://schemas.microsoft.com/office/drawing/2010/main" w="9525">
                   <a:solidFill>
                     <a:srgbClr val="000000"/>
                   </a:solidFill>
@@ -1555,7 +1555,7 @@
             </a:ln>
             <a:extLst>
               <a:ext uri="{91240B29-F687-4f45-9708-019B960494DF}">
-                <a14:hiddenLine xmlns:a14="http://schemas.microsoft.com/office/drawing/2010/main" xmlns="" w="9525">
+                <a14:hiddenLine xmlns="" xmlns:a14="http://schemas.microsoft.com/office/drawing/2010/main" w="9525">
                   <a:solidFill>
                     <a:srgbClr val="000000"/>
                   </a:solidFill>
@@ -1617,7 +1617,7 @@
             </a:ln>
             <a:extLst>
               <a:ext uri="{91240B29-F687-4f45-9708-019B960494DF}">
-                <a14:hiddenLine xmlns:a14="http://schemas.microsoft.com/office/drawing/2010/main" xmlns="" w="9525">
+                <a14:hiddenLine xmlns="" xmlns:a14="http://schemas.microsoft.com/office/drawing/2010/main" w="9525">
                   <a:solidFill>
                     <a:srgbClr val="000000"/>
                   </a:solidFill>
@@ -1679,7 +1679,7 @@
             </a:ln>
             <a:extLst>
               <a:ext uri="{91240B29-F687-4f45-9708-019B960494DF}">
-                <a14:hiddenLine xmlns:a14="http://schemas.microsoft.com/office/drawing/2010/main" xmlns="" w="9525">
+                <a14:hiddenLine xmlns="" xmlns:a14="http://schemas.microsoft.com/office/drawing/2010/main" w="9525">
                   <a:solidFill>
                     <a:srgbClr val="000000"/>
                   </a:solidFill>
@@ -1769,7 +1769,7 @@
             </a:ln>
             <a:extLst>
               <a:ext uri="{91240B29-F687-4f45-9708-019B960494DF}">
-                <a14:hiddenLine xmlns:a14="http://schemas.microsoft.com/office/drawing/2010/main" xmlns="" w="9525">
+                <a14:hiddenLine xmlns="" xmlns:a14="http://schemas.microsoft.com/office/drawing/2010/main" w="9525">
                   <a:solidFill>
                     <a:srgbClr val="000000"/>
                   </a:solidFill>
@@ -1859,7 +1859,7 @@
             </a:ln>
             <a:extLst>
               <a:ext uri="{91240B29-F687-4f45-9708-019B960494DF}">
-                <a14:hiddenLine xmlns:a14="http://schemas.microsoft.com/office/drawing/2010/main" xmlns="" w="9525">
+                <a14:hiddenLine xmlns="" xmlns:a14="http://schemas.microsoft.com/office/drawing/2010/main" w="9525">
                   <a:solidFill>
                     <a:srgbClr val="000000"/>
                   </a:solidFill>
@@ -1921,7 +1921,7 @@
             </a:ln>
             <a:extLst>
               <a:ext uri="{91240B29-F687-4f45-9708-019B960494DF}">
-                <a14:hiddenLine xmlns:a14="http://schemas.microsoft.com/office/drawing/2010/main" xmlns="" w="9525">
+                <a14:hiddenLine xmlns="" xmlns:a14="http://schemas.microsoft.com/office/drawing/2010/main" w="9525">
                   <a:solidFill>
                     <a:srgbClr val="000000"/>
                   </a:solidFill>
@@ -2031,7 +2031,7 @@
             </a:ln>
             <a:extLst>
               <a:ext uri="{91240B29-F687-4f45-9708-019B960494DF}">
-                <a14:hiddenLine xmlns:a14="http://schemas.microsoft.com/office/drawing/2010/main" xmlns="" w="9525">
+                <a14:hiddenLine xmlns="" xmlns:a14="http://schemas.microsoft.com/office/drawing/2010/main" w="9525">
                   <a:solidFill>
                     <a:srgbClr val="000000"/>
                   </a:solidFill>
@@ -2093,7 +2093,7 @@
             </a:ln>
             <a:extLst>
               <a:ext uri="{91240B29-F687-4f45-9708-019B960494DF}">
-                <a14:hiddenLine xmlns:a14="http://schemas.microsoft.com/office/drawing/2010/main" xmlns="" w="9525">
+                <a14:hiddenLine xmlns="" xmlns:a14="http://schemas.microsoft.com/office/drawing/2010/main" w="9525">
                   <a:solidFill>
                     <a:srgbClr val="000000"/>
                   </a:solidFill>
@@ -2183,7 +2183,7 @@
             </a:ln>
             <a:extLst>
               <a:ext uri="{91240B29-F687-4f45-9708-019B960494DF}">
-                <a14:hiddenLine xmlns:a14="http://schemas.microsoft.com/office/drawing/2010/main" xmlns="" w="9525">
+                <a14:hiddenLine xmlns="" xmlns:a14="http://schemas.microsoft.com/office/drawing/2010/main" w="9525">
                   <a:solidFill>
                     <a:srgbClr val="000000"/>
                   </a:solidFill>
@@ -2273,7 +2273,7 @@
             </a:ln>
             <a:extLst>
               <a:ext uri="{91240B29-F687-4f45-9708-019B960494DF}">
-                <a14:hiddenLine xmlns:a14="http://schemas.microsoft.com/office/drawing/2010/main" xmlns="" w="9525">
+                <a14:hiddenLine xmlns="" xmlns:a14="http://schemas.microsoft.com/office/drawing/2010/main" w="9525">
                   <a:solidFill>
                     <a:srgbClr val="000000"/>
                   </a:solidFill>
@@ -2335,7 +2335,7 @@
             </a:ln>
             <a:extLst>
               <a:ext uri="{91240B29-F687-4f45-9708-019B960494DF}">
-                <a14:hiddenLine xmlns:a14="http://schemas.microsoft.com/office/drawing/2010/main" xmlns="" w="9525">
+                <a14:hiddenLine xmlns="" xmlns:a14="http://schemas.microsoft.com/office/drawing/2010/main" w="9525">
                   <a:solidFill>
                     <a:srgbClr val="000000"/>
                   </a:solidFill>
@@ -2425,7 +2425,7 @@
             </a:ln>
             <a:extLst>
               <a:ext uri="{91240B29-F687-4f45-9708-019B960494DF}">
-                <a14:hiddenLine xmlns:a14="http://schemas.microsoft.com/office/drawing/2010/main" xmlns="" w="9525">
+                <a14:hiddenLine xmlns="" xmlns:a14="http://schemas.microsoft.com/office/drawing/2010/main" w="9525">
                   <a:solidFill>
                     <a:srgbClr val="000000"/>
                   </a:solidFill>
@@ -2515,7 +2515,7 @@
             </a:ln>
             <a:extLst>
               <a:ext uri="{91240B29-F687-4f45-9708-019B960494DF}">
-                <a14:hiddenLine xmlns:a14="http://schemas.microsoft.com/office/drawing/2010/main" xmlns="" w="9525">
+                <a14:hiddenLine xmlns="" xmlns:a14="http://schemas.microsoft.com/office/drawing/2010/main" w="9525">
                   <a:solidFill>
                     <a:srgbClr val="000000"/>
                   </a:solidFill>
@@ -2571,7 +2571,7 @@
             </a:ln>
             <a:extLst>
               <a:ext uri="{91240B29-F687-4f45-9708-019B960494DF}">
-                <a14:hiddenLine xmlns:a14="http://schemas.microsoft.com/office/drawing/2010/main" xmlns="" w="9525">
+                <a14:hiddenLine xmlns="" xmlns:a14="http://schemas.microsoft.com/office/drawing/2010/main" w="9525">
                   <a:solidFill>
                     <a:srgbClr val="000000"/>
                   </a:solidFill>
@@ -2661,7 +2661,7 @@
             </a:ln>
             <a:extLst>
               <a:ext uri="{91240B29-F687-4f45-9708-019B960494DF}">
-                <a14:hiddenLine xmlns:a14="http://schemas.microsoft.com/office/drawing/2010/main" xmlns="" w="9525">
+                <a14:hiddenLine xmlns="" xmlns:a14="http://schemas.microsoft.com/office/drawing/2010/main" w="9525">
                   <a:solidFill>
                     <a:srgbClr val="000000"/>
                   </a:solidFill>
@@ -2717,7 +2717,7 @@
             </a:ln>
             <a:extLst>
               <a:ext uri="{91240B29-F687-4f45-9708-019B960494DF}">
-                <a14:hiddenLine xmlns:a14="http://schemas.microsoft.com/office/drawing/2010/main" xmlns="" w="9525">
+                <a14:hiddenLine xmlns="" xmlns:a14="http://schemas.microsoft.com/office/drawing/2010/main" w="9525">
                   <a:solidFill>
                     <a:srgbClr val="000000"/>
                   </a:solidFill>
@@ -2807,7 +2807,7 @@
             </a:ln>
             <a:extLst>
               <a:ext uri="{91240B29-F687-4f45-9708-019B960494DF}">
-                <a14:hiddenLine xmlns:a14="http://schemas.microsoft.com/office/drawing/2010/main" xmlns="" w="9525">
+                <a14:hiddenLine xmlns="" xmlns:a14="http://schemas.microsoft.com/office/drawing/2010/main" w="9525">
                   <a:solidFill>
                     <a:srgbClr val="000000"/>
                   </a:solidFill>
@@ -2875,7 +2875,7 @@
             </a:ln>
             <a:extLst>
               <a:ext uri="{91240B29-F687-4f45-9708-019B960494DF}">
-                <a14:hiddenLine xmlns:a14="http://schemas.microsoft.com/office/drawing/2010/main" xmlns="" w="9525">
+                <a14:hiddenLine xmlns="" xmlns:a14="http://schemas.microsoft.com/office/drawing/2010/main" w="9525">
                   <a:solidFill>
                     <a:srgbClr val="000000"/>
                   </a:solidFill>
@@ -2965,7 +2965,7 @@
             </a:ln>
             <a:extLst>
               <a:ext uri="{91240B29-F687-4f45-9708-019B960494DF}">
-                <a14:hiddenLine xmlns:a14="http://schemas.microsoft.com/office/drawing/2010/main" xmlns="" w="9525">
+                <a14:hiddenLine xmlns="" xmlns:a14="http://schemas.microsoft.com/office/drawing/2010/main" w="9525">
                   <a:solidFill>
                     <a:srgbClr val="000000"/>
                   </a:solidFill>
@@ -3033,7 +3033,7 @@
             </a:ln>
             <a:extLst>
               <a:ext uri="{91240B29-F687-4f45-9708-019B960494DF}">
-                <a14:hiddenLine xmlns:a14="http://schemas.microsoft.com/office/drawing/2010/main" xmlns="" w="9525">
+                <a14:hiddenLine xmlns="" xmlns:a14="http://schemas.microsoft.com/office/drawing/2010/main" w="9525">
                   <a:solidFill>
                     <a:srgbClr val="000000"/>
                   </a:solidFill>
@@ -3123,7 +3123,7 @@
             </a:ln>
             <a:extLst>
               <a:ext uri="{91240B29-F687-4f45-9708-019B960494DF}">
-                <a14:hiddenLine xmlns:a14="http://schemas.microsoft.com/office/drawing/2010/main" xmlns="" w="9525">
+                <a14:hiddenLine xmlns="" xmlns:a14="http://schemas.microsoft.com/office/drawing/2010/main" w="9525">
                   <a:solidFill>
                     <a:srgbClr val="000000"/>
                   </a:solidFill>
@@ -3157,7 +3157,7 @@
             </a:ln>
             <a:extLst>
               <a:ext uri="{91240B29-F687-4f45-9708-019B960494DF}">
-                <a14:hiddenLine xmlns:a14="http://schemas.microsoft.com/office/drawing/2010/main" xmlns="" w="9525">
+                <a14:hiddenLine xmlns="" xmlns:a14="http://schemas.microsoft.com/office/drawing/2010/main" w="9525">
                   <a:solidFill>
                     <a:srgbClr val="000000"/>
                   </a:solidFill>
@@ -3247,7 +3247,7 @@
             </a:ln>
             <a:extLst>
               <a:ext uri="{91240B29-F687-4f45-9708-019B960494DF}">
-                <a14:hiddenLine xmlns:a14="http://schemas.microsoft.com/office/drawing/2010/main" xmlns="" w="9525">
+                <a14:hiddenLine xmlns="" xmlns:a14="http://schemas.microsoft.com/office/drawing/2010/main" w="9525">
                   <a:solidFill>
                     <a:srgbClr val="000000"/>
                   </a:solidFill>
@@ -3309,7 +3309,7 @@
             </a:ln>
             <a:extLst>
               <a:ext uri="{91240B29-F687-4f45-9708-019B960494DF}">
-                <a14:hiddenLine xmlns:a14="http://schemas.microsoft.com/office/drawing/2010/main" xmlns="" w="9525">
+                <a14:hiddenLine xmlns="" xmlns:a14="http://schemas.microsoft.com/office/drawing/2010/main" w="9525">
                   <a:solidFill>
                     <a:srgbClr val="000000"/>
                   </a:solidFill>
@@ -3371,7 +3371,7 @@
             </a:ln>
             <a:extLst>
               <a:ext uri="{91240B29-F687-4f45-9708-019B960494DF}">
-                <a14:hiddenLine xmlns:a14="http://schemas.microsoft.com/office/drawing/2010/main" xmlns="" w="9525">
+                <a14:hiddenLine xmlns="" xmlns:a14="http://schemas.microsoft.com/office/drawing/2010/main" w="9525">
                   <a:solidFill>
                     <a:srgbClr val="000000"/>
                   </a:solidFill>
@@ -3461,7 +3461,7 @@
             </a:ln>
             <a:extLst>
               <a:ext uri="{91240B29-F687-4f45-9708-019B960494DF}">
-                <a14:hiddenLine xmlns:a14="http://schemas.microsoft.com/office/drawing/2010/main" xmlns="" w="9525">
+                <a14:hiddenLine xmlns="" xmlns:a14="http://schemas.microsoft.com/office/drawing/2010/main" w="9525">
                   <a:solidFill>
                     <a:srgbClr val="000000"/>
                   </a:solidFill>
@@ -3529,7 +3529,7 @@
             </a:ln>
             <a:extLst>
               <a:ext uri="{91240B29-F687-4f45-9708-019B960494DF}">
-                <a14:hiddenLine xmlns:a14="http://schemas.microsoft.com/office/drawing/2010/main" xmlns="" w="9525">
+                <a14:hiddenLine xmlns="" xmlns:a14="http://schemas.microsoft.com/office/drawing/2010/main" w="9525">
                   <a:solidFill>
                     <a:srgbClr val="000000"/>
                   </a:solidFill>
@@ -3591,7 +3591,7 @@
             </a:ln>
             <a:extLst>
               <a:ext uri="{91240B29-F687-4f45-9708-019B960494DF}">
-                <a14:hiddenLine xmlns:a14="http://schemas.microsoft.com/office/drawing/2010/main" xmlns="" w="9525">
+                <a14:hiddenLine xmlns="" xmlns:a14="http://schemas.microsoft.com/office/drawing/2010/main" w="9525">
                   <a:solidFill>
                     <a:srgbClr val="000000"/>
                   </a:solidFill>
@@ -3681,7 +3681,7 @@
             </a:ln>
             <a:extLst>
               <a:ext uri="{91240B29-F687-4f45-9708-019B960494DF}">
-                <a14:hiddenLine xmlns:a14="http://schemas.microsoft.com/office/drawing/2010/main" xmlns="" w="9525">
+                <a14:hiddenLine xmlns="" xmlns:a14="http://schemas.microsoft.com/office/drawing/2010/main" w="9525">
                   <a:solidFill>
                     <a:srgbClr val="000000"/>
                   </a:solidFill>
@@ -3743,7 +3743,7 @@
             </a:ln>
             <a:extLst>
               <a:ext uri="{91240B29-F687-4f45-9708-019B960494DF}">
-                <a14:hiddenLine xmlns:a14="http://schemas.microsoft.com/office/drawing/2010/main" xmlns="" w="9525">
+                <a14:hiddenLine xmlns="" xmlns:a14="http://schemas.microsoft.com/office/drawing/2010/main" w="9525">
                   <a:solidFill>
                     <a:srgbClr val="000000"/>
                   </a:solidFill>
@@ -3833,7 +3833,7 @@
             </a:ln>
             <a:extLst>
               <a:ext uri="{91240B29-F687-4f45-9708-019B960494DF}">
-                <a14:hiddenLine xmlns:a14="http://schemas.microsoft.com/office/drawing/2010/main" xmlns="" w="9525">
+                <a14:hiddenLine xmlns="" xmlns:a14="http://schemas.microsoft.com/office/drawing/2010/main" w="9525">
                   <a:solidFill>
                     <a:srgbClr val="000000"/>
                   </a:solidFill>
@@ -3895,7 +3895,7 @@
             </a:ln>
             <a:extLst>
               <a:ext uri="{91240B29-F687-4f45-9708-019B960494DF}">
-                <a14:hiddenLine xmlns:a14="http://schemas.microsoft.com/office/drawing/2010/main" xmlns="" w="9525">
+                <a14:hiddenLine xmlns="" xmlns:a14="http://schemas.microsoft.com/office/drawing/2010/main" w="9525">
                   <a:solidFill>
                     <a:srgbClr val="000000"/>
                   </a:solidFill>
@@ -3985,7 +3985,7 @@
             </a:ln>
             <a:extLst>
               <a:ext uri="{91240B29-F687-4f45-9708-019B960494DF}">
-                <a14:hiddenLine xmlns:a14="http://schemas.microsoft.com/office/drawing/2010/main" xmlns="" w="9525">
+                <a14:hiddenLine xmlns="" xmlns:a14="http://schemas.microsoft.com/office/drawing/2010/main" w="9525">
                   <a:solidFill>
                     <a:srgbClr val="000000"/>
                   </a:solidFill>
@@ -4019,7 +4019,7 @@
             </a:ln>
             <a:extLst>
               <a:ext uri="{91240B29-F687-4f45-9708-019B960494DF}">
-                <a14:hiddenLine xmlns:a14="http://schemas.microsoft.com/office/drawing/2010/main" xmlns="" w="9525">
+                <a14:hiddenLine xmlns="" xmlns:a14="http://schemas.microsoft.com/office/drawing/2010/main" w="9525">
                   <a:solidFill>
                     <a:srgbClr val="000000"/>
                   </a:solidFill>
@@ -4084,7 +4084,7 @@
             </a:ln>
             <a:extLst>
               <a:ext uri="{91240B29-F687-4f45-9708-019B960494DF}">
-                <a14:hiddenLine xmlns:a14="http://schemas.microsoft.com/office/drawing/2010/main" xmlns="" w="9525">
+                <a14:hiddenLine xmlns="" xmlns:a14="http://schemas.microsoft.com/office/drawing/2010/main" w="9525">
                   <a:solidFill>
                     <a:srgbClr val="000000"/>
                   </a:solidFill>
@@ -4174,7 +4174,7 @@
             </a:ln>
             <a:extLst>
               <a:ext uri="{91240B29-F687-4f45-9708-019B960494DF}">
-                <a14:hiddenLine xmlns:a14="http://schemas.microsoft.com/office/drawing/2010/main" xmlns="" w="9525">
+                <a14:hiddenLine xmlns="" xmlns:a14="http://schemas.microsoft.com/office/drawing/2010/main" w="9525">
                   <a:solidFill>
                     <a:srgbClr val="000000"/>
                   </a:solidFill>
@@ -4236,7 +4236,7 @@
             </a:ln>
             <a:extLst>
               <a:ext uri="{91240B29-F687-4f45-9708-019B960494DF}">
-                <a14:hiddenLine xmlns:a14="http://schemas.microsoft.com/office/drawing/2010/main" xmlns="" w="9525">
+                <a14:hiddenLine xmlns="" xmlns:a14="http://schemas.microsoft.com/office/drawing/2010/main" w="9525">
                   <a:solidFill>
                     <a:srgbClr val="000000"/>
                   </a:solidFill>
@@ -4326,7 +4326,7 @@
             </a:ln>
             <a:extLst>
               <a:ext uri="{91240B29-F687-4f45-9708-019B960494DF}">
-                <a14:hiddenLine xmlns:a14="http://schemas.microsoft.com/office/drawing/2010/main" xmlns="" w="9525">
+                <a14:hiddenLine xmlns="" xmlns:a14="http://schemas.microsoft.com/office/drawing/2010/main" w="9525">
                   <a:solidFill>
                     <a:srgbClr val="000000"/>
                   </a:solidFill>
@@ -4416,7 +4416,7 @@
             </a:ln>
             <a:extLst>
               <a:ext uri="{91240B29-F687-4f45-9708-019B960494DF}">
-                <a14:hiddenLine xmlns:a14="http://schemas.microsoft.com/office/drawing/2010/main" xmlns="" w="9525">
+                <a14:hiddenLine xmlns="" xmlns:a14="http://schemas.microsoft.com/office/drawing/2010/main" w="9525">
                   <a:solidFill>
                     <a:srgbClr val="000000"/>
                   </a:solidFill>
@@ -4481,7 +4481,7 @@
             </a:ln>
             <a:extLst>
               <a:ext uri="{91240B29-F687-4f45-9708-019B960494DF}">
-                <a14:hiddenLine xmlns:a14="http://schemas.microsoft.com/office/drawing/2010/main" xmlns="" w="9525">
+                <a14:hiddenLine xmlns="" xmlns:a14="http://schemas.microsoft.com/office/drawing/2010/main" w="9525">
                   <a:solidFill>
                     <a:srgbClr val="000000"/>
                   </a:solidFill>
@@ -4543,7 +4543,7 @@
             </a:ln>
             <a:extLst>
               <a:ext uri="{91240B29-F687-4f45-9708-019B960494DF}">
-                <a14:hiddenLine xmlns:a14="http://schemas.microsoft.com/office/drawing/2010/main" xmlns="" w="9525">
+                <a14:hiddenLine xmlns="" xmlns:a14="http://schemas.microsoft.com/office/drawing/2010/main" w="9525">
                   <a:solidFill>
                     <a:srgbClr val="000000"/>
                   </a:solidFill>
@@ -4633,7 +4633,7 @@
             </a:ln>
             <a:extLst>
               <a:ext uri="{91240B29-F687-4f45-9708-019B960494DF}">
-                <a14:hiddenLine xmlns:a14="http://schemas.microsoft.com/office/drawing/2010/main" xmlns="" w="9525">
+                <a14:hiddenLine xmlns="" xmlns:a14="http://schemas.microsoft.com/office/drawing/2010/main" w="9525">
                   <a:solidFill>
                     <a:srgbClr val="000000"/>
                   </a:solidFill>
@@ -4723,7 +4723,7 @@
             </a:ln>
             <a:extLst>
               <a:ext uri="{91240B29-F687-4f45-9708-019B960494DF}">
-                <a14:hiddenLine xmlns:a14="http://schemas.microsoft.com/office/drawing/2010/main" xmlns="" w="9525">
+                <a14:hiddenLine xmlns="" xmlns:a14="http://schemas.microsoft.com/office/drawing/2010/main" w="9525">
                   <a:solidFill>
                     <a:srgbClr val="000000"/>
                   </a:solidFill>
@@ -4785,7 +4785,7 @@
             </a:ln>
             <a:extLst>
               <a:ext uri="{91240B29-F687-4f45-9708-019B960494DF}">
-                <a14:hiddenLine xmlns:a14="http://schemas.microsoft.com/office/drawing/2010/main" xmlns="" w="9525">
+                <a14:hiddenLine xmlns="" xmlns:a14="http://schemas.microsoft.com/office/drawing/2010/main" w="9525">
                   <a:solidFill>
                     <a:srgbClr val="000000"/>
                   </a:solidFill>
@@ -4905,7 +4905,7 @@
             </a:ln>
             <a:extLst>
               <a:ext uri="{91240B29-F687-4f45-9708-019B960494DF}">
-                <a14:hiddenLine xmlns:a14="http://schemas.microsoft.com/office/drawing/2010/main" xmlns="" w="9525">
+                <a14:hiddenLine xmlns="" xmlns:a14="http://schemas.microsoft.com/office/drawing/2010/main" w="9525">
                   <a:solidFill>
                     <a:srgbClr val="000000"/>
                   </a:solidFill>
@@ -4973,7 +4973,7 @@
             </a:ln>
             <a:extLst>
               <a:ext uri="{91240B29-F687-4f45-9708-019B960494DF}">
-                <a14:hiddenLine xmlns:a14="http://schemas.microsoft.com/office/drawing/2010/main" xmlns="" w="9525">
+                <a14:hiddenLine xmlns="" xmlns:a14="http://schemas.microsoft.com/office/drawing/2010/main" w="9525">
                   <a:solidFill>
                     <a:srgbClr val="000000"/>
                   </a:solidFill>
@@ -5063,7 +5063,7 @@
             </a:ln>
             <a:extLst>
               <a:ext uri="{91240B29-F687-4f45-9708-019B960494DF}">
-                <a14:hiddenLine xmlns:a14="http://schemas.microsoft.com/office/drawing/2010/main" xmlns="" w="9525">
+                <a14:hiddenLine xmlns="" xmlns:a14="http://schemas.microsoft.com/office/drawing/2010/main" w="9525">
                   <a:solidFill>
                     <a:srgbClr val="000000"/>
                   </a:solidFill>
@@ -5203,7 +5203,7 @@
           <a:p>
             <a:fld id="{FFD33077-B1A5-4FAC-84B1-C8A178E5E963}" type="datetimeFigureOut">
               <a:rPr lang="de-DE" smtClean="0"/>
-              <a:t>27.10.2025</a:t>
+              <a:t>29.10.2025</a:t>
             </a:fld>
             <a:endParaRPr lang="de-DE"/>
           </a:p>
@@ -5470,7 +5470,7 @@
           <a:p>
             <a:fld id="{FFD33077-B1A5-4FAC-84B1-C8A178E5E963}" type="datetimeFigureOut">
               <a:rPr lang="de-DE" smtClean="0"/>
-              <a:t>27.10.2025</a:t>
+              <a:t>29.10.2025</a:t>
             </a:fld>
             <a:endParaRPr lang="de-DE"/>
           </a:p>
@@ -5666,7 +5666,7 @@
           <a:p>
             <a:fld id="{FFD33077-B1A5-4FAC-84B1-C8A178E5E963}" type="datetimeFigureOut">
               <a:rPr lang="de-DE" smtClean="0"/>
-              <a:t>27.10.2025</a:t>
+              <a:t>29.10.2025</a:t>
             </a:fld>
             <a:endParaRPr lang="de-DE"/>
           </a:p>
@@ -5929,7 +5929,7 @@
           <a:p>
             <a:fld id="{FFD33077-B1A5-4FAC-84B1-C8A178E5E963}" type="datetimeFigureOut">
               <a:rPr lang="de-DE" smtClean="0"/>
-              <a:t>27.10.2025</a:t>
+              <a:t>29.10.2025</a:t>
             </a:fld>
             <a:endParaRPr lang="de-DE"/>
           </a:p>
@@ -6363,7 +6363,7 @@
           <a:p>
             <a:fld id="{FFD33077-B1A5-4FAC-84B1-C8A178E5E963}" type="datetimeFigureOut">
               <a:rPr lang="de-DE" smtClean="0"/>
-              <a:t>27.10.2025</a:t>
+              <a:t>29.10.2025</a:t>
             </a:fld>
             <a:endParaRPr lang="de-DE"/>
           </a:p>
@@ -6909,7 +6909,7 @@
           <a:p>
             <a:fld id="{FFD33077-B1A5-4FAC-84B1-C8A178E5E963}" type="datetimeFigureOut">
               <a:rPr lang="de-DE" smtClean="0"/>
-              <a:t>27.10.2025</a:t>
+              <a:t>29.10.2025</a:t>
             </a:fld>
             <a:endParaRPr lang="de-DE"/>
           </a:p>
@@ -7629,7 +7629,7 @@
           <a:p>
             <a:fld id="{FFD33077-B1A5-4FAC-84B1-C8A178E5E963}" type="datetimeFigureOut">
               <a:rPr lang="de-DE" smtClean="0"/>
-              <a:t>27.10.2025</a:t>
+              <a:t>29.10.2025</a:t>
             </a:fld>
             <a:endParaRPr lang="de-DE"/>
           </a:p>
@@ -7799,7 +7799,7 @@
           <a:p>
             <a:fld id="{FFD33077-B1A5-4FAC-84B1-C8A178E5E963}" type="datetimeFigureOut">
               <a:rPr lang="de-DE" smtClean="0"/>
-              <a:t>27.10.2025</a:t>
+              <a:t>29.10.2025</a:t>
             </a:fld>
             <a:endParaRPr lang="de-DE"/>
           </a:p>
@@ -7979,7 +7979,7 @@
           <a:p>
             <a:fld id="{FFD33077-B1A5-4FAC-84B1-C8A178E5E963}" type="datetimeFigureOut">
               <a:rPr lang="de-DE" smtClean="0"/>
-              <a:t>27.10.2025</a:t>
+              <a:t>29.10.2025</a:t>
             </a:fld>
             <a:endParaRPr lang="de-DE"/>
           </a:p>
@@ -8149,7 +8149,7 @@
           <a:p>
             <a:fld id="{FFD33077-B1A5-4FAC-84B1-C8A178E5E963}" type="datetimeFigureOut">
               <a:rPr lang="de-DE" smtClean="0"/>
-              <a:t>27.10.2025</a:t>
+              <a:t>29.10.2025</a:t>
             </a:fld>
             <a:endParaRPr lang="de-DE"/>
           </a:p>
@@ -8399,7 +8399,7 @@
           <a:p>
             <a:fld id="{FFD33077-B1A5-4FAC-84B1-C8A178E5E963}" type="datetimeFigureOut">
               <a:rPr lang="de-DE" smtClean="0"/>
-              <a:t>27.10.2025</a:t>
+              <a:t>29.10.2025</a:t>
             </a:fld>
             <a:endParaRPr lang="de-DE"/>
           </a:p>
@@ -8631,7 +8631,7 @@
           <a:p>
             <a:fld id="{FFD33077-B1A5-4FAC-84B1-C8A178E5E963}" type="datetimeFigureOut">
               <a:rPr lang="de-DE" smtClean="0"/>
-              <a:t>27.10.2025</a:t>
+              <a:t>29.10.2025</a:t>
             </a:fld>
             <a:endParaRPr lang="de-DE"/>
           </a:p>
@@ -9012,7 +9012,7 @@
           <a:p>
             <a:fld id="{FFD33077-B1A5-4FAC-84B1-C8A178E5E963}" type="datetimeFigureOut">
               <a:rPr lang="de-DE" smtClean="0"/>
-              <a:t>27.10.2025</a:t>
+              <a:t>29.10.2025</a:t>
             </a:fld>
             <a:endParaRPr lang="de-DE"/>
           </a:p>
@@ -9130,7 +9130,7 @@
           <a:p>
             <a:fld id="{FFD33077-B1A5-4FAC-84B1-C8A178E5E963}" type="datetimeFigureOut">
               <a:rPr lang="de-DE" smtClean="0"/>
-              <a:t>27.10.2025</a:t>
+              <a:t>29.10.2025</a:t>
             </a:fld>
             <a:endParaRPr lang="de-DE"/>
           </a:p>
@@ -9225,7 +9225,7 @@
           <a:p>
             <a:fld id="{FFD33077-B1A5-4FAC-84B1-C8A178E5E963}" type="datetimeFigureOut">
               <a:rPr lang="de-DE" smtClean="0"/>
-              <a:t>27.10.2025</a:t>
+              <a:t>29.10.2025</a:t>
             </a:fld>
             <a:endParaRPr lang="de-DE"/>
           </a:p>
@@ -9474,7 +9474,7 @@
           <a:p>
             <a:fld id="{FFD33077-B1A5-4FAC-84B1-C8A178E5E963}" type="datetimeFigureOut">
               <a:rPr lang="de-DE" smtClean="0"/>
-              <a:t>27.10.2025</a:t>
+              <a:t>29.10.2025</a:t>
             </a:fld>
             <a:endParaRPr lang="de-DE"/>
           </a:p>
@@ -9754,7 +9754,7 @@
           <a:p>
             <a:fld id="{FFD33077-B1A5-4FAC-84B1-C8A178E5E963}" type="datetimeFigureOut">
               <a:rPr lang="de-DE" smtClean="0"/>
-              <a:t>27.10.2025</a:t>
+              <a:t>29.10.2025</a:t>
             </a:fld>
             <a:endParaRPr lang="de-DE"/>
           </a:p>
@@ -9877,7 +9877,7 @@
           <a:noFill/>
           <a:extLst>
             <a:ext uri="{909E8E84-426E-40dd-AFC4-6F175D3DCCD1}">
-              <a14:hiddenFill xmlns:a14="http://schemas.microsoft.com/office/drawing/2010/main" xmlns="">
+              <a14:hiddenFill xmlns="" xmlns:a14="http://schemas.microsoft.com/office/drawing/2010/main">
                 <a:solidFill>
                   <a:srgbClr val="FFFFFF"/>
                 </a:solidFill>
@@ -9951,7 +9951,7 @@
               </a:ln>
               <a:extLst>
                 <a:ext uri="{91240B29-F687-4f45-9708-019B960494DF}">
-                  <a14:hiddenLine xmlns:a14="http://schemas.microsoft.com/office/drawing/2010/main" xmlns="" w="9525">
+                  <a14:hiddenLine xmlns="" xmlns:a14="http://schemas.microsoft.com/office/drawing/2010/main" w="9525">
                     <a:solidFill>
                       <a:srgbClr val="000000"/>
                     </a:solidFill>
@@ -10041,7 +10041,7 @@
               </a:ln>
               <a:extLst>
                 <a:ext uri="{91240B29-F687-4f45-9708-019B960494DF}">
-                  <a14:hiddenLine xmlns:a14="http://schemas.microsoft.com/office/drawing/2010/main" xmlns="" w="9525">
+                  <a14:hiddenLine xmlns="" xmlns:a14="http://schemas.microsoft.com/office/drawing/2010/main" w="9525">
                     <a:solidFill>
                       <a:srgbClr val="000000"/>
                     </a:solidFill>
@@ -10131,7 +10131,7 @@
               </a:ln>
               <a:extLst>
                 <a:ext uri="{91240B29-F687-4f45-9708-019B960494DF}">
-                  <a14:hiddenLine xmlns:a14="http://schemas.microsoft.com/office/drawing/2010/main" xmlns="" w="9525">
+                  <a14:hiddenLine xmlns="" xmlns:a14="http://schemas.microsoft.com/office/drawing/2010/main" w="9525">
                     <a:solidFill>
                       <a:srgbClr val="000000"/>
                     </a:solidFill>
@@ -10193,7 +10193,7 @@
               </a:ln>
               <a:extLst>
                 <a:ext uri="{91240B29-F687-4f45-9708-019B960494DF}">
-                  <a14:hiddenLine xmlns:a14="http://schemas.microsoft.com/office/drawing/2010/main" xmlns="" w="9525">
+                  <a14:hiddenLine xmlns="" xmlns:a14="http://schemas.microsoft.com/office/drawing/2010/main" w="9525">
                     <a:solidFill>
                       <a:srgbClr val="000000"/>
                     </a:solidFill>
@@ -10283,7 +10283,7 @@
               </a:ln>
               <a:extLst>
                 <a:ext uri="{91240B29-F687-4f45-9708-019B960494DF}">
-                  <a14:hiddenLine xmlns:a14="http://schemas.microsoft.com/office/drawing/2010/main" xmlns="" w="9525">
+                  <a14:hiddenLine xmlns="" xmlns:a14="http://schemas.microsoft.com/office/drawing/2010/main" w="9525">
                     <a:solidFill>
                       <a:srgbClr val="000000"/>
                     </a:solidFill>
@@ -10345,7 +10345,7 @@
               </a:ln>
               <a:extLst>
                 <a:ext uri="{91240B29-F687-4f45-9708-019B960494DF}">
-                  <a14:hiddenLine xmlns:a14="http://schemas.microsoft.com/office/drawing/2010/main" xmlns="" w="9525">
+                  <a14:hiddenLine xmlns="" xmlns:a14="http://schemas.microsoft.com/office/drawing/2010/main" w="9525">
                     <a:solidFill>
                       <a:srgbClr val="000000"/>
                     </a:solidFill>
@@ -10407,7 +10407,7 @@
               </a:ln>
               <a:extLst>
                 <a:ext uri="{91240B29-F687-4f45-9708-019B960494DF}">
-                  <a14:hiddenLine xmlns:a14="http://schemas.microsoft.com/office/drawing/2010/main" xmlns="" w="9525">
+                  <a14:hiddenLine xmlns="" xmlns:a14="http://schemas.microsoft.com/office/drawing/2010/main" w="9525">
                     <a:solidFill>
                       <a:srgbClr val="000000"/>
                     </a:solidFill>
@@ -10497,7 +10497,7 @@
               </a:ln>
               <a:extLst>
                 <a:ext uri="{91240B29-F687-4f45-9708-019B960494DF}">
-                  <a14:hiddenLine xmlns:a14="http://schemas.microsoft.com/office/drawing/2010/main" xmlns="" w="9525">
+                  <a14:hiddenLine xmlns="" xmlns:a14="http://schemas.microsoft.com/office/drawing/2010/main" w="9525">
                     <a:solidFill>
                       <a:srgbClr val="000000"/>
                     </a:solidFill>
@@ -10587,7 +10587,7 @@
               </a:ln>
               <a:extLst>
                 <a:ext uri="{91240B29-F687-4f45-9708-019B960494DF}">
-                  <a14:hiddenLine xmlns:a14="http://schemas.microsoft.com/office/drawing/2010/main" xmlns="" w="9525">
+                  <a14:hiddenLine xmlns="" xmlns:a14="http://schemas.microsoft.com/office/drawing/2010/main" w="9525">
                     <a:solidFill>
                       <a:srgbClr val="000000"/>
                     </a:solidFill>
@@ -10649,7 +10649,7 @@
               </a:ln>
               <a:extLst>
                 <a:ext uri="{91240B29-F687-4f45-9708-019B960494DF}">
-                  <a14:hiddenLine xmlns:a14="http://schemas.microsoft.com/office/drawing/2010/main" xmlns="" w="9525">
+                  <a14:hiddenLine xmlns="" xmlns:a14="http://schemas.microsoft.com/office/drawing/2010/main" w="9525">
                     <a:solidFill>
                       <a:srgbClr val="000000"/>
                     </a:solidFill>
@@ -10759,7 +10759,7 @@
               </a:ln>
               <a:extLst>
                 <a:ext uri="{91240B29-F687-4f45-9708-019B960494DF}">
-                  <a14:hiddenLine xmlns:a14="http://schemas.microsoft.com/office/drawing/2010/main" xmlns="" w="9525">
+                  <a14:hiddenLine xmlns="" xmlns:a14="http://schemas.microsoft.com/office/drawing/2010/main" w="9525">
                     <a:solidFill>
                       <a:srgbClr val="000000"/>
                     </a:solidFill>
@@ -10843,7 +10843,7 @@
               </a:ln>
               <a:extLst>
                 <a:ext uri="{91240B29-F687-4f45-9708-019B960494DF}">
-                  <a14:hiddenLine xmlns:a14="http://schemas.microsoft.com/office/drawing/2010/main" xmlns="" w="9525">
+                  <a14:hiddenLine xmlns="" xmlns:a14="http://schemas.microsoft.com/office/drawing/2010/main" w="9525">
                     <a:solidFill>
                       <a:srgbClr val="000000"/>
                     </a:solidFill>
@@ -10905,7 +10905,7 @@
               </a:ln>
               <a:extLst>
                 <a:ext uri="{91240B29-F687-4f45-9708-019B960494DF}">
-                  <a14:hiddenLine xmlns:a14="http://schemas.microsoft.com/office/drawing/2010/main" xmlns="" w="9525">
+                  <a14:hiddenLine xmlns="" xmlns:a14="http://schemas.microsoft.com/office/drawing/2010/main" w="9525">
                     <a:solidFill>
                       <a:srgbClr val="000000"/>
                     </a:solidFill>
@@ -10967,7 +10967,7 @@
               </a:ln>
               <a:extLst>
                 <a:ext uri="{91240B29-F687-4f45-9708-019B960494DF}">
-                  <a14:hiddenLine xmlns:a14="http://schemas.microsoft.com/office/drawing/2010/main" xmlns="" w="9525">
+                  <a14:hiddenLine xmlns="" xmlns:a14="http://schemas.microsoft.com/office/drawing/2010/main" w="9525">
                     <a:solidFill>
                       <a:srgbClr val="000000"/>
                     </a:solidFill>
@@ -11057,7 +11057,7 @@
               </a:ln>
               <a:extLst>
                 <a:ext uri="{91240B29-F687-4f45-9708-019B960494DF}">
-                  <a14:hiddenLine xmlns:a14="http://schemas.microsoft.com/office/drawing/2010/main" xmlns="" w="9525">
+                  <a14:hiddenLine xmlns="" xmlns:a14="http://schemas.microsoft.com/office/drawing/2010/main" w="9525">
                     <a:solidFill>
                       <a:srgbClr val="000000"/>
                     </a:solidFill>
@@ -11091,7 +11091,7 @@
               </a:ln>
               <a:extLst>
                 <a:ext uri="{91240B29-F687-4f45-9708-019B960494DF}">
-                  <a14:hiddenLine xmlns:a14="http://schemas.microsoft.com/office/drawing/2010/main" xmlns="" w="9525">
+                  <a14:hiddenLine xmlns="" xmlns:a14="http://schemas.microsoft.com/office/drawing/2010/main" w="9525">
                     <a:solidFill>
                       <a:srgbClr val="000000"/>
                     </a:solidFill>
@@ -11156,7 +11156,7 @@
               </a:ln>
               <a:extLst>
                 <a:ext uri="{91240B29-F687-4f45-9708-019B960494DF}">
-                  <a14:hiddenLine xmlns:a14="http://schemas.microsoft.com/office/drawing/2010/main" xmlns="" w="9525">
+                  <a14:hiddenLine xmlns="" xmlns:a14="http://schemas.microsoft.com/office/drawing/2010/main" w="9525">
                     <a:solidFill>
                       <a:srgbClr val="000000"/>
                     </a:solidFill>
@@ -11246,7 +11246,7 @@
               </a:ln>
               <a:extLst>
                 <a:ext uri="{91240B29-F687-4f45-9708-019B960494DF}">
-                  <a14:hiddenLine xmlns:a14="http://schemas.microsoft.com/office/drawing/2010/main" xmlns="" w="9525">
+                  <a14:hiddenLine xmlns="" xmlns:a14="http://schemas.microsoft.com/office/drawing/2010/main" w="9525">
                     <a:solidFill>
                       <a:srgbClr val="000000"/>
                     </a:solidFill>
@@ -11308,7 +11308,7 @@
               </a:ln>
               <a:extLst>
                 <a:ext uri="{91240B29-F687-4f45-9708-019B960494DF}">
-                  <a14:hiddenLine xmlns:a14="http://schemas.microsoft.com/office/drawing/2010/main" xmlns="" w="9525">
+                  <a14:hiddenLine xmlns="" xmlns:a14="http://schemas.microsoft.com/office/drawing/2010/main" w="9525">
                     <a:solidFill>
                       <a:srgbClr val="000000"/>
                     </a:solidFill>
@@ -11398,7 +11398,7 @@
               </a:ln>
               <a:extLst>
                 <a:ext uri="{91240B29-F687-4f45-9708-019B960494DF}">
-                  <a14:hiddenLine xmlns:a14="http://schemas.microsoft.com/office/drawing/2010/main" xmlns="" w="9525">
+                  <a14:hiddenLine xmlns="" xmlns:a14="http://schemas.microsoft.com/office/drawing/2010/main" w="9525">
                     <a:solidFill>
                       <a:srgbClr val="000000"/>
                     </a:solidFill>
@@ -11463,7 +11463,7 @@
               </a:ln>
               <a:extLst>
                 <a:ext uri="{91240B29-F687-4f45-9708-019B960494DF}">
-                  <a14:hiddenLine xmlns:a14="http://schemas.microsoft.com/office/drawing/2010/main" xmlns="" w="9525">
+                  <a14:hiddenLine xmlns="" xmlns:a14="http://schemas.microsoft.com/office/drawing/2010/main" w="9525">
                     <a:solidFill>
                       <a:srgbClr val="000000"/>
                     </a:solidFill>
@@ -11525,7 +11525,7 @@
               </a:ln>
               <a:extLst>
                 <a:ext uri="{91240B29-F687-4f45-9708-019B960494DF}">
-                  <a14:hiddenLine xmlns:a14="http://schemas.microsoft.com/office/drawing/2010/main" xmlns="" w="9525">
+                  <a14:hiddenLine xmlns="" xmlns:a14="http://schemas.microsoft.com/office/drawing/2010/main" w="9525">
                     <a:solidFill>
                       <a:srgbClr val="000000"/>
                     </a:solidFill>
@@ -11615,7 +11615,7 @@
               </a:ln>
               <a:extLst>
                 <a:ext uri="{91240B29-F687-4f45-9708-019B960494DF}">
-                  <a14:hiddenLine xmlns:a14="http://schemas.microsoft.com/office/drawing/2010/main" xmlns="" w="9525">
+                  <a14:hiddenLine xmlns="" xmlns:a14="http://schemas.microsoft.com/office/drawing/2010/main" w="9525">
                     <a:solidFill>
                       <a:srgbClr val="000000"/>
                     </a:solidFill>
@@ -11705,7 +11705,7 @@
               </a:ln>
               <a:extLst>
                 <a:ext uri="{91240B29-F687-4f45-9708-019B960494DF}">
-                  <a14:hiddenLine xmlns:a14="http://schemas.microsoft.com/office/drawing/2010/main" xmlns="" w="9525">
+                  <a14:hiddenLine xmlns="" xmlns:a14="http://schemas.microsoft.com/office/drawing/2010/main" w="9525">
                     <a:solidFill>
                       <a:srgbClr val="000000"/>
                     </a:solidFill>
@@ -11770,7 +11770,7 @@
               </a:ln>
               <a:extLst>
                 <a:ext uri="{91240B29-F687-4f45-9708-019B960494DF}">
-                  <a14:hiddenLine xmlns:a14="http://schemas.microsoft.com/office/drawing/2010/main" xmlns="" w="9525">
+                  <a14:hiddenLine xmlns="" xmlns:a14="http://schemas.microsoft.com/office/drawing/2010/main" w="9525">
                     <a:solidFill>
                       <a:srgbClr val="000000"/>
                     </a:solidFill>
@@ -11890,7 +11890,7 @@
               </a:ln>
               <a:extLst>
                 <a:ext uri="{91240B29-F687-4f45-9708-019B960494DF}">
-                  <a14:hiddenLine xmlns:a14="http://schemas.microsoft.com/office/drawing/2010/main" xmlns="" w="9525">
+                  <a14:hiddenLine xmlns="" xmlns:a14="http://schemas.microsoft.com/office/drawing/2010/main" w="9525">
                     <a:solidFill>
                       <a:srgbClr val="000000"/>
                     </a:solidFill>
@@ -11971,7 +11971,7 @@
               </a:ln>
               <a:extLst>
                 <a:ext uri="{91240B29-F687-4f45-9708-019B960494DF}">
-                  <a14:hiddenLine xmlns:a14="http://schemas.microsoft.com/office/drawing/2010/main" xmlns="" w="9525">
+                  <a14:hiddenLine xmlns="" xmlns:a14="http://schemas.microsoft.com/office/drawing/2010/main" w="9525">
                     <a:solidFill>
                       <a:srgbClr val="000000"/>
                     </a:solidFill>
@@ -12086,7 +12086,7 @@
               </a:ln>
               <a:extLst>
                 <a:ext uri="{91240B29-F687-4f45-9708-019B960494DF}">
-                  <a14:hiddenLine xmlns:a14="http://schemas.microsoft.com/office/drawing/2010/main" xmlns="" w="9525">
+                  <a14:hiddenLine xmlns="" xmlns:a14="http://schemas.microsoft.com/office/drawing/2010/main" w="9525">
                     <a:solidFill>
                       <a:srgbClr val="000000"/>
                     </a:solidFill>
@@ -12176,7 +12176,7 @@
               </a:ln>
               <a:extLst>
                 <a:ext uri="{91240B29-F687-4f45-9708-019B960494DF}">
-                  <a14:hiddenLine xmlns:a14="http://schemas.microsoft.com/office/drawing/2010/main" xmlns="" w="9525">
+                  <a14:hiddenLine xmlns="" xmlns:a14="http://schemas.microsoft.com/office/drawing/2010/main" w="9525">
                     <a:solidFill>
                       <a:srgbClr val="000000"/>
                     </a:solidFill>
@@ -12241,7 +12241,7 @@
               </a:ln>
               <a:extLst>
                 <a:ext uri="{91240B29-F687-4f45-9708-019B960494DF}">
-                  <a14:hiddenLine xmlns:a14="http://schemas.microsoft.com/office/drawing/2010/main" xmlns="" w="9525">
+                  <a14:hiddenLine xmlns="" xmlns:a14="http://schemas.microsoft.com/office/drawing/2010/main" w="9525">
                     <a:solidFill>
                       <a:srgbClr val="000000"/>
                     </a:solidFill>
@@ -12331,7 +12331,7 @@
               </a:ln>
               <a:extLst>
                 <a:ext uri="{91240B29-F687-4f45-9708-019B960494DF}">
-                  <a14:hiddenLine xmlns:a14="http://schemas.microsoft.com/office/drawing/2010/main" xmlns="" w="9525">
+                  <a14:hiddenLine xmlns="" xmlns:a14="http://schemas.microsoft.com/office/drawing/2010/main" w="9525">
                     <a:solidFill>
                       <a:srgbClr val="000000"/>
                     </a:solidFill>
@@ -12399,7 +12399,7 @@
               </a:ln>
               <a:extLst>
                 <a:ext uri="{91240B29-F687-4f45-9708-019B960494DF}">
-                  <a14:hiddenLine xmlns:a14="http://schemas.microsoft.com/office/drawing/2010/main" xmlns="" w="9525">
+                  <a14:hiddenLine xmlns="" xmlns:a14="http://schemas.microsoft.com/office/drawing/2010/main" w="9525">
                     <a:solidFill>
                       <a:srgbClr val="000000"/>
                     </a:solidFill>
@@ -12489,7 +12489,7 @@
               </a:ln>
               <a:extLst>
                 <a:ext uri="{91240B29-F687-4f45-9708-019B960494DF}">
-                  <a14:hiddenLine xmlns:a14="http://schemas.microsoft.com/office/drawing/2010/main" xmlns="" w="9525">
+                  <a14:hiddenLine xmlns="" xmlns:a14="http://schemas.microsoft.com/office/drawing/2010/main" w="9525">
                     <a:solidFill>
                       <a:srgbClr val="000000"/>
                     </a:solidFill>
@@ -12557,7 +12557,7 @@
               </a:ln>
               <a:extLst>
                 <a:ext uri="{91240B29-F687-4f45-9708-019B960494DF}">
-                  <a14:hiddenLine xmlns:a14="http://schemas.microsoft.com/office/drawing/2010/main" xmlns="" w="9525">
+                  <a14:hiddenLine xmlns="" xmlns:a14="http://schemas.microsoft.com/office/drawing/2010/main" w="9525">
                     <a:solidFill>
                       <a:srgbClr val="000000"/>
                     </a:solidFill>
@@ -12647,7 +12647,7 @@
               </a:ln>
               <a:extLst>
                 <a:ext uri="{91240B29-F687-4f45-9708-019B960494DF}">
-                  <a14:hiddenLine xmlns:a14="http://schemas.microsoft.com/office/drawing/2010/main" xmlns="" w="9525">
+                  <a14:hiddenLine xmlns="" xmlns:a14="http://schemas.microsoft.com/office/drawing/2010/main" w="9525">
                     <a:solidFill>
                       <a:srgbClr val="000000"/>
                     </a:solidFill>
@@ -12681,7 +12681,7 @@
               </a:ln>
               <a:extLst>
                 <a:ext uri="{91240B29-F687-4f45-9708-019B960494DF}">
-                  <a14:hiddenLine xmlns:a14="http://schemas.microsoft.com/office/drawing/2010/main" xmlns="" w="9525">
+                  <a14:hiddenLine xmlns="" xmlns:a14="http://schemas.microsoft.com/office/drawing/2010/main" w="9525">
                     <a:solidFill>
                       <a:srgbClr val="000000"/>
                     </a:solidFill>
@@ -12821,7 +12821,7 @@
           <a:p>
             <a:fld id="{FFD33077-B1A5-4FAC-84B1-C8A178E5E963}" type="datetimeFigureOut">
               <a:rPr lang="de-DE" smtClean="0"/>
-              <a:t>27.10.2025</a:t>
+              <a:t>29.10.2025</a:t>
             </a:fld>
             <a:endParaRPr lang="de-DE"/>
           </a:p>
@@ -13762,7 +13762,7 @@
           <p:cNvPr id="2" name="Titel 1">
             <a:extLst>
               <a:ext uri="{FF2B5EF4-FFF2-40B4-BE49-F238E27FC236}">
-                <a16:creationId xmlns:a16="http://schemas.microsoft.com/office/drawing/2014/main" id="{0846087A-CA79-92D8-F228-CF902E1C2A65}"/>
+                <a16:creationId xmlns:a16="http://schemas.microsoft.com/office/drawing/2014/main" id="{35633B92-E44C-3CA7-5FCD-9D61D18042D9}"/>
               </a:ext>
             </a:extLst>
           </p:cNvPr>
@@ -13780,7 +13780,7 @@
           <a:p>
             <a:r>
               <a:rPr lang="de-DE" dirty="0"/>
-              <a:t>Ziele/ Innovationen</a:t>
+              <a:t>Geplante Features</a:t>
             </a:r>
           </a:p>
         </p:txBody>
@@ -13790,7 +13790,7 @@
           <p:cNvPr id="3" name="Inhaltsplatzhalter 2">
             <a:extLst>
               <a:ext uri="{FF2B5EF4-FFF2-40B4-BE49-F238E27FC236}">
-                <a16:creationId xmlns:a16="http://schemas.microsoft.com/office/drawing/2014/main" id="{172243E3-50C7-74E8-D057-F7A6F123B31D}"/>
+                <a16:creationId xmlns:a16="http://schemas.microsoft.com/office/drawing/2014/main" id="{78C1D0DC-CFCA-82D8-E482-BA614479AB67}"/>
               </a:ext>
             </a:extLst>
           </p:cNvPr>
@@ -13808,26 +13808,47 @@
           <a:p>
             <a:r>
               <a:rPr lang="de-DE" dirty="0"/>
-              <a:t>Ziel ist eine autonome Kanalinspektion </a:t>
+              <a:t>Fahren durch ein Rohr</a:t>
             </a:r>
           </a:p>
           <a:p>
             <a:r>
               <a:rPr lang="de-DE" dirty="0"/>
-              <a:t>Geringe Instandhaltungskosten der Kanalanlagen </a:t>
+              <a:t>Regelbare Geschwindigkeit</a:t>
             </a:r>
           </a:p>
           <a:p>
             <a:r>
               <a:rPr lang="de-DE" dirty="0"/>
-              <a:t>Genau Lokalisation der Probleme im Kanal über Standort des Roboters</a:t>
+              <a:t>Orientierung durch 2D Maschinelles Sehen</a:t>
             </a:r>
           </a:p>
           <a:p>
             <a:r>
               <a:rPr lang="de-DE" dirty="0"/>
-              <a:t>Schnelle Entdeckung von Problemen </a:t>
-            </a:r>
+              <a:t>Schwarm Betrieb /Kooperation unter Robotern</a:t>
+            </a:r>
+          </a:p>
+          <a:p>
+            <a:endParaRPr lang="de-DE" dirty="0"/>
+          </a:p>
+          <a:p>
+            <a:endParaRPr lang="de-DE" dirty="0"/>
+          </a:p>
+          <a:p>
+            <a:endParaRPr lang="de-DE" dirty="0"/>
+          </a:p>
+          <a:p>
+            <a:endParaRPr lang="de-DE" dirty="0"/>
+          </a:p>
+          <a:p>
+            <a:endParaRPr lang="de-DE" dirty="0"/>
+          </a:p>
+          <a:p>
+            <a:pPr marL="0" indent="0">
+              <a:buNone/>
+            </a:pPr>
+            <a:endParaRPr lang="de-DE" dirty="0"/>
           </a:p>
           <a:p>
             <a:endParaRPr lang="de-DE" dirty="0"/>
@@ -13837,7 +13858,7 @@
     </p:spTree>
     <p:extLst>
       <p:ext uri="{BB962C8B-B14F-4D97-AF65-F5344CB8AC3E}">
-        <p14:creationId xmlns:p14="http://schemas.microsoft.com/office/powerpoint/2010/main" val="2062914999"/>
+        <p14:creationId xmlns:p14="http://schemas.microsoft.com/office/powerpoint/2010/main" val="1008898313"/>
       </p:ext>
     </p:extLst>
   </p:cSld>
@@ -13934,7 +13955,7 @@
         <p:spPr/>
         <p:txBody>
           <a:bodyPr>
-            <a:normAutofit/>
+            <a:normAutofit fontScale="92500" lnSpcReduction="10000"/>
           </a:bodyPr>
           <a:lstStyle/>
           <a:p>
@@ -13995,6 +14016,16 @@
             <a:r>
               <a:rPr lang="de-DE" sz="2400" dirty="0"/>
               <a:t>Raspberry Pi als Steuerung</a:t>
+            </a:r>
+          </a:p>
+          <a:p>
+            <a:pPr marL="342900" indent="-342900">
+              <a:buFont typeface="Arial" panose="020B0604020202020204" pitchFamily="34" charset="0"/>
+              <a:buChar char="•"/>
+            </a:pPr>
+            <a:r>
+              <a:rPr lang="de-DE" sz="2400" dirty="0"/>
+              <a:t>RFID-Leser</a:t>
             </a:r>
           </a:p>
           <a:p>
@@ -14168,6 +14199,12 @@
             </a:r>
           </a:p>
           <a:p>
+            <a:r>
+              <a:rPr lang="de-DE" dirty="0"/>
+              <a:t>NFC </a:t>
+            </a:r>
+          </a:p>
+          <a:p>
             <a:endParaRPr lang="de-DE" dirty="0"/>
           </a:p>
           <a:p>
@@ -14271,7 +14308,7 @@
           <p:cNvPr id="2" name="Titel 1">
             <a:extLst>
               <a:ext uri="{FF2B5EF4-FFF2-40B4-BE49-F238E27FC236}">
-                <a16:creationId xmlns:a16="http://schemas.microsoft.com/office/drawing/2014/main" id="{35633B92-E44C-3CA7-5FCD-9D61D18042D9}"/>
+                <a16:creationId xmlns:a16="http://schemas.microsoft.com/office/drawing/2014/main" id="{0846087A-CA79-92D8-F228-CF902E1C2A65}"/>
               </a:ext>
             </a:extLst>
           </p:cNvPr>
@@ -14289,7 +14326,7 @@
           <a:p>
             <a:r>
               <a:rPr lang="de-DE" dirty="0"/>
-              <a:t>Geplante Features</a:t>
+              <a:t>Ziele/ Innovationen</a:t>
             </a:r>
           </a:p>
         </p:txBody>
@@ -14299,7 +14336,7 @@
           <p:cNvPr id="3" name="Inhaltsplatzhalter 2">
             <a:extLst>
               <a:ext uri="{FF2B5EF4-FFF2-40B4-BE49-F238E27FC236}">
-                <a16:creationId xmlns:a16="http://schemas.microsoft.com/office/drawing/2014/main" id="{78C1D0DC-CFCA-82D8-E482-BA614479AB67}"/>
+                <a16:creationId xmlns:a16="http://schemas.microsoft.com/office/drawing/2014/main" id="{172243E3-50C7-74E8-D057-F7A6F123B31D}"/>
               </a:ext>
             </a:extLst>
           </p:cNvPr>
@@ -14317,46 +14354,26 @@
           <a:p>
             <a:r>
               <a:rPr lang="de-DE" dirty="0"/>
-              <a:t>Fahren im Rohr</a:t>
+              <a:t>Ziel ist eine autonome Kanalinspektion </a:t>
             </a:r>
           </a:p>
           <a:p>
             <a:r>
               <a:rPr lang="de-DE" dirty="0"/>
-              <a:t>Regelbare Geschwindigkeit</a:t>
+              <a:t>Geringe Instandhaltungskosten der Kanalanlagen </a:t>
             </a:r>
           </a:p>
           <a:p>
             <a:r>
               <a:rPr lang="de-DE" dirty="0"/>
-              <a:t>Orientierung durch 2D Maschinelles Sehen</a:t>
+              <a:t>Genau Lokalisation der Probleme im Kanal über Standort des Roboters</a:t>
             </a:r>
           </a:p>
           <a:p>
             <a:r>
               <a:rPr lang="de-DE" dirty="0"/>
-              <a:t>Schwarm Betrieb /</a:t>
-            </a:r>
-            <a:r>
-              <a:rPr lang="de-DE" dirty="0" err="1"/>
-              <a:t>Cooperation</a:t>
-            </a:r>
-            <a:r>
-              <a:rPr lang="de-DE" dirty="0"/>
-              <a:t> unter Robotern</a:t>
-            </a:r>
-          </a:p>
-          <a:p>
-            <a:endParaRPr lang="de-DE" dirty="0"/>
-          </a:p>
-          <a:p>
-            <a:endParaRPr lang="de-DE" dirty="0"/>
-          </a:p>
-          <a:p>
-            <a:pPr marL="0" indent="0">
-              <a:buNone/>
-            </a:pPr>
-            <a:endParaRPr lang="de-DE" dirty="0"/>
+              <a:t>Schnelle Entdeckung von Problemen </a:t>
+            </a:r>
           </a:p>
           <a:p>
             <a:endParaRPr lang="de-DE" dirty="0"/>
@@ -14366,7 +14383,7 @@
     </p:spTree>
     <p:extLst>
       <p:ext uri="{BB962C8B-B14F-4D97-AF65-F5344CB8AC3E}">
-        <p14:creationId xmlns:p14="http://schemas.microsoft.com/office/powerpoint/2010/main" val="1008898313"/>
+        <p14:creationId xmlns:p14="http://schemas.microsoft.com/office/powerpoint/2010/main" val="2062914999"/>
       </p:ext>
     </p:extLst>
   </p:cSld>
@@ -14442,22 +14459,41 @@
           <a:bodyPr/>
           <a:lstStyle/>
           <a:p>
-            <a:r>
-              <a:rPr lang="de-DE" dirty="0">
-                <a:hlinkClick r:id="rId3"/>
-              </a:rPr>
-              <a:t>https://github.com/users/yaba-source/projects/1/views/4</a:t>
-            </a:r>
             <a:endParaRPr lang="de-DE" dirty="0"/>
-          </a:p>
-          <a:p>
-            <a:r>
-              <a:rPr lang="de-DE" dirty="0"/>
-              <a:t>Bild mit Roadmap mit Hyperlink integriert</a:t>
-            </a:r>
           </a:p>
         </p:txBody>
       </p:sp>
+      <p:pic>
+        <p:nvPicPr>
+          <p:cNvPr id="5" name="Grafik 4">
+            <a:hlinkClick r:id="rId3"/>
+            <a:extLst>
+              <a:ext uri="{FF2B5EF4-FFF2-40B4-BE49-F238E27FC236}">
+                <a16:creationId xmlns:a16="http://schemas.microsoft.com/office/drawing/2014/main" id="{C904D8CD-7C26-3D58-E268-FBBCE74552DA}"/>
+              </a:ext>
+            </a:extLst>
+          </p:cNvPr>
+          <p:cNvPicPr>
+            <a:picLocks noChangeAspect="1"/>
+          </p:cNvPicPr>
+          <p:nvPr/>
+        </p:nvPicPr>
+        <p:blipFill>
+          <a:blip r:embed="rId4"/>
+          <a:stretch>
+            <a:fillRect/>
+          </a:stretch>
+        </p:blipFill>
+        <p:spPr>
+          <a:xfrm>
+            <a:off x="902709" y="1798030"/>
+            <a:ext cx="10585652" cy="3782637"/>
+          </a:xfrm>
+          <a:prstGeom prst="rect">
+            <a:avLst/>
+          </a:prstGeom>
+        </p:spPr>
+      </p:pic>
     </p:spTree>
     <p:extLst>
       <p:ext uri="{BB962C8B-B14F-4D97-AF65-F5344CB8AC3E}">
